--- a/Documents/Cortex M33.pptx
+++ b/Documents/Cortex M33.pptx
@@ -3948,12 +3948,12 @@
         <p:spPr/>
         <p:txBody>
           <a:bodyPr>
-            <a:normAutofit/>
+            <a:normAutofit fontScale="92500" lnSpcReduction="10000"/>
           </a:bodyPr>
           <a:lstStyle/>
           <a:p>
             <a:r>
-              <a:rPr lang="en-US" sz="1600" dirty="0"/>
+              <a:rPr lang="en-US" dirty="0"/>
               <a:t>Window 11 Pro 64-bit (10.0, Build 22631)</a:t>
             </a:r>
           </a:p>
@@ -3961,15 +3961,15 @@
             <a:pPr marL="0" indent="0">
               <a:buNone/>
             </a:pPr>
-            <a:endParaRPr lang="en-US" sz="1600" dirty="0"/>
-          </a:p>
-          <a:p>
-            <a:r>
-              <a:rPr lang="en-US" sz="1600" dirty="0"/>
+            <a:endParaRPr lang="en-US" dirty="0"/>
+          </a:p>
+          <a:p>
+            <a:r>
+              <a:rPr lang="en-US" dirty="0"/>
               <a:t>Arm GNU Toolchain Version 13.2.Rel1: </a:t>
             </a:r>
             <a:r>
-              <a:rPr lang="en-US" sz="1600" dirty="0" err="1">
+              <a:rPr lang="en-US" dirty="0" err="1">
                 <a:solidFill>
                   <a:srgbClr val="00B0F0"/>
                 </a:solidFill>
@@ -3983,7 +3983,7 @@
               </a:rPr>
               <a:t>arm_gnu_link</a:t>
             </a:r>
-            <a:endParaRPr lang="en-US" sz="1600" dirty="0">
+            <a:endParaRPr lang="en-US" dirty="0">
               <a:solidFill>
                 <a:srgbClr val="00B0F0"/>
               </a:solidFill>
@@ -3991,11 +3991,11 @@
           </a:p>
           <a:p>
             <a:r>
-              <a:rPr lang="en-US" sz="1600" dirty="0"/>
+              <a:rPr lang="en-US" dirty="0"/>
               <a:t>gdb-multiarch-14.1: </a:t>
             </a:r>
             <a:r>
-              <a:rPr lang="en-US" sz="1600" dirty="0" err="1">
+              <a:rPr lang="en-US" dirty="0" err="1">
                 <a:solidFill>
                   <a:srgbClr val="00B0F0"/>
                 </a:solidFill>
@@ -4009,7 +4009,7 @@
               </a:rPr>
               <a:t>gdb_link</a:t>
             </a:r>
-            <a:endParaRPr lang="en-US" sz="1600" dirty="0">
+            <a:endParaRPr lang="en-US" dirty="0">
               <a:solidFill>
                 <a:srgbClr val="00B0F0"/>
               </a:solidFill>
@@ -4017,11 +4017,11 @@
           </a:p>
           <a:p>
             <a:r>
-              <a:rPr lang="en-US" sz="1600" dirty="0"/>
+              <a:rPr lang="en-US" dirty="0"/>
               <a:t>qemu-20240411: </a:t>
             </a:r>
             <a:r>
-              <a:rPr lang="en-US" sz="1600" dirty="0" err="1">
+              <a:rPr lang="en-US" dirty="0" err="1">
                 <a:solidFill>
                   <a:srgbClr val="00B0F0"/>
                 </a:solidFill>
@@ -4035,7 +4035,7 @@
               </a:rPr>
               <a:t>qemu_link</a:t>
             </a:r>
-            <a:endParaRPr lang="en-US" sz="1600" dirty="0">
+            <a:endParaRPr lang="en-US" dirty="0">
               <a:solidFill>
                 <a:srgbClr val="00B0F0"/>
               </a:solidFill>
@@ -4043,12 +4043,106 @@
           </a:p>
           <a:p>
             <a:r>
-              <a:rPr lang="en-US" sz="1600" dirty="0">
+              <a:rPr lang="en-US" dirty="0">
                 <a:solidFill>
                   <a:schemeClr val="tx1"/>
                 </a:solidFill>
               </a:rPr>
-              <a:t>Musca-board b1 bare-metal project:  </a:t>
+              <a:t>Musca-board b1 bare-metal project: </a:t>
+            </a:r>
+            <a:r>
+              <a:rPr lang="en-US" dirty="0" err="1">
+                <a:solidFill>
+                  <a:srgbClr val="00B0F0"/>
+                </a:solidFill>
+                <a:hlinkClick r:id="rId5">
+                  <a:extLst>
+                    <a:ext uri="{A12FA001-AC4F-418D-AE19-62706E023703}">
+                      <ahyp:hlinkClr xmlns:ahyp="http://schemas.microsoft.com/office/drawing/2018/hyperlinkcolor" val="tx"/>
+                    </a:ext>
+                  </a:extLst>
+                </a:hlinkClick>
+              </a:rPr>
+              <a:t>Musca_link</a:t>
+            </a:r>
+            <a:r>
+              <a:rPr lang="en-US" dirty="0">
+                <a:solidFill>
+                  <a:srgbClr val="00B0F0"/>
+                </a:solidFill>
+              </a:rPr>
+              <a:t> </a:t>
+            </a:r>
+          </a:p>
+          <a:p>
+            <a:r>
+              <a:rPr lang="en-US" dirty="0" err="1">
+                <a:solidFill>
+                  <a:schemeClr val="tx1"/>
+                </a:solidFill>
+              </a:rPr>
+              <a:t>GnuMake</a:t>
+            </a:r>
+            <a:r>
+              <a:rPr lang="en-US" dirty="0">
+                <a:solidFill>
+                  <a:schemeClr val="tx1"/>
+                </a:solidFill>
+              </a:rPr>
+              <a:t>: </a:t>
+            </a:r>
+            <a:r>
+              <a:rPr lang="en-US" dirty="0" err="1">
+                <a:solidFill>
+                  <a:srgbClr val="00B0F0"/>
+                </a:solidFill>
+                <a:hlinkClick r:id="rId6">
+                  <a:extLst>
+                    <a:ext uri="{A12FA001-AC4F-418D-AE19-62706E023703}">
+                      <ahyp:hlinkClr xmlns:ahyp="http://schemas.microsoft.com/office/drawing/2018/hyperlinkcolor" val="tx"/>
+                    </a:ext>
+                  </a:extLst>
+                </a:hlinkClick>
+              </a:rPr>
+              <a:t>gnumake_link</a:t>
+            </a:r>
+            <a:endParaRPr lang="en-US" dirty="0">
+              <a:solidFill>
+                <a:srgbClr val="00B0F0"/>
+              </a:solidFill>
+            </a:endParaRPr>
+          </a:p>
+          <a:p>
+            <a:pPr marL="0" indent="0">
+              <a:buNone/>
+            </a:pPr>
+            <a:endParaRPr lang="en-US" dirty="0">
+              <a:solidFill>
+                <a:srgbClr val="00B0F0"/>
+              </a:solidFill>
+            </a:endParaRPr>
+          </a:p>
+          <a:p>
+            <a:pPr marL="0" indent="0">
+              <a:buNone/>
+            </a:pPr>
+            <a:endParaRPr lang="en-US" dirty="0">
+              <a:solidFill>
+                <a:srgbClr val="00B0F0"/>
+              </a:solidFill>
+            </a:endParaRPr>
+          </a:p>
+          <a:p>
+            <a:pPr marL="0" indent="0">
+              <a:buNone/>
+            </a:pPr>
+            <a:r>
+              <a:rPr lang="en-US" dirty="0">
+                <a:solidFill>
+                  <a:srgbClr val="00B0F0"/>
+                </a:solidFill>
+              </a:rPr>
+              <a:t> </a:t>
             </a:r>
           </a:p>
         </p:txBody>

--- a/Documents/Cortex M33.pptx
+++ b/Documents/Cortex M33.pptx
@@ -4221,7 +4221,7 @@
             <p:ph idx="1"/>
             <p:extLst>
               <p:ext uri="{D42A27DB-BD31-4B8C-83A1-F6EECF244321}">
-                <p14:modId xmlns:p14="http://schemas.microsoft.com/office/powerpoint/2010/main" val="3741016762"/>
+                <p14:modId xmlns:p14="http://schemas.microsoft.com/office/powerpoint/2010/main" val="4062856771"/>
               </p:ext>
             </p:extLst>
           </p:nvPr>
@@ -4237,14 +4237,14 @@
                 <a:tableStyleId>{5C22544A-7EE6-4342-B048-85BDC9FD1C3A}</a:tableStyleId>
               </a:tblPr>
               <a:tblGrid>
-                <a:gridCol w="2678084">
+                <a:gridCol w="2678572">
                   <a:extLst>
                     <a:ext uri="{9D8B030D-6E8A-4147-A177-3AD203B41FA5}">
                       <a16:colId xmlns:a16="http://schemas.microsoft.com/office/drawing/2014/main" val="2143493972"/>
                     </a:ext>
                   </a:extLst>
                 </a:gridCol>
-                <a:gridCol w="7055141">
+                <a:gridCol w="7054653">
                   <a:extLst>
                     <a:ext uri="{9D8B030D-6E8A-4147-A177-3AD203B41FA5}">
                       <a16:colId xmlns:a16="http://schemas.microsoft.com/office/drawing/2014/main" val="3828153337"/>
@@ -4738,36 +4738,60 @@
           <a:p>
             <a:r>
               <a:rPr lang="en-US" dirty="0"/>
-              <a:t>2. Musca B1 bare metal sample project</a:t>
-            </a:r>
-          </a:p>
-        </p:txBody>
-      </p:sp>
-      <p:sp>
-        <p:nvSpPr>
-          <p:cNvPr id="8" name="Content Placeholder 7">
+              <a:t>3. Musca B1 bare metal sample project</a:t>
+            </a:r>
+          </a:p>
+        </p:txBody>
+      </p:sp>
+      <p:pic>
+        <p:nvPicPr>
+          <p:cNvPr id="1026" name="Picture 2">
             <a:extLst>
               <a:ext uri="{FF2B5EF4-FFF2-40B4-BE49-F238E27FC236}">
-                <a16:creationId xmlns:a16="http://schemas.microsoft.com/office/drawing/2014/main" id="{226001FC-FB34-5AE2-A983-ED8E580C9B5E}"/>
+                <a16:creationId xmlns:a16="http://schemas.microsoft.com/office/drawing/2014/main" id="{01357D84-B7AF-B0C4-E3DE-1F4C0A2881A2}"/>
               </a:ext>
             </a:extLst>
           </p:cNvPr>
-          <p:cNvSpPr>
-            <a:spLocks noGrp="1"/>
-          </p:cNvSpPr>
+          <p:cNvPicPr>
+            <a:picLocks noGrp="1" noChangeAspect="1" noChangeArrowheads="1"/>
+          </p:cNvPicPr>
           <p:nvPr>
             <p:ph idx="1"/>
           </p:nvPr>
-        </p:nvSpPr>
-        <p:spPr/>
-        <p:txBody>
-          <a:bodyPr/>
-          <a:lstStyle/>
-          <a:p>
-            <a:endParaRPr lang="en-US" dirty="0"/>
-          </a:p>
-        </p:txBody>
-      </p:sp>
+        </p:nvPicPr>
+        <p:blipFill>
+          <a:blip r:embed="rId2" cstate="print">
+            <a:extLst>
+              <a:ext uri="{28A0092B-C50C-407E-A947-70E740481C1C}">
+                <a14:useLocalDpi xmlns:a14="http://schemas.microsoft.com/office/drawing/2010/main" val="0"/>
+              </a:ext>
+            </a:extLst>
+          </a:blip>
+          <a:srcRect/>
+          <a:stretch>
+            <a:fillRect/>
+          </a:stretch>
+        </p:blipFill>
+        <p:spPr bwMode="auto">
+          <a:xfrm>
+            <a:off x="3622601" y="1897063"/>
+            <a:ext cx="5007757" cy="4022725"/>
+          </a:xfrm>
+          <a:prstGeom prst="rect">
+            <a:avLst/>
+          </a:prstGeom>
+          <a:noFill/>
+          <a:extLst>
+            <a:ext uri="{909E8E84-426E-40DD-AFC4-6F175D3DCCD1}">
+              <a14:hiddenFill xmlns:a14="http://schemas.microsoft.com/office/drawing/2010/main">
+                <a:solidFill>
+                  <a:srgbClr val="FFFFFF"/>
+                </a:solidFill>
+              </a14:hiddenFill>
+            </a:ext>
+          </a:extLst>
+        </p:spPr>
+      </p:pic>
     </p:spTree>
     <p:extLst>
       <p:ext uri="{BB962C8B-B14F-4D97-AF65-F5344CB8AC3E}">

--- a/Documents/Cortex M33.pptx
+++ b/Documents/Cortex M33.pptx
@@ -11,6 +11,10 @@
     <p:sldId id="266" r:id="rId5"/>
     <p:sldId id="269" r:id="rId6"/>
     <p:sldId id="270" r:id="rId7"/>
+    <p:sldId id="271" r:id="rId8"/>
+    <p:sldId id="272" r:id="rId9"/>
+    <p:sldId id="273" r:id="rId10"/>
+    <p:sldId id="274" r:id="rId11"/>
   </p:sldIdLst>
   <p:sldSz cx="12192000" cy="6858000"/>
   <p:notesSz cx="6858000" cy="9144000"/>
@@ -343,7 +347,7 @@
           <a:p>
             <a:fld id="{E4643566-A07C-4B6A-A37C-17F2AFE269DE}" type="datetimeFigureOut">
               <a:rPr lang="en-US" smtClean="0"/>
-              <a:t>4/15/2024</a:t>
+              <a:t>4/17/2024</a:t>
             </a:fld>
             <a:endParaRPr lang="en-US"/>
           </a:p>
@@ -551,7 +555,7 @@
           <a:p>
             <a:fld id="{E4643566-A07C-4B6A-A37C-17F2AFE269DE}" type="datetimeFigureOut">
               <a:rPr lang="en-US" smtClean="0"/>
-              <a:t>4/15/2024</a:t>
+              <a:t>4/17/2024</a:t>
             </a:fld>
             <a:endParaRPr lang="en-US"/>
           </a:p>
@@ -807,7 +811,7 @@
           <a:p>
             <a:fld id="{E4643566-A07C-4B6A-A37C-17F2AFE269DE}" type="datetimeFigureOut">
               <a:rPr lang="en-US" smtClean="0"/>
-              <a:t>4/15/2024</a:t>
+              <a:t>4/17/2024</a:t>
             </a:fld>
             <a:endParaRPr lang="en-US"/>
           </a:p>
@@ -924,64 +928,81 @@
         </p:nvSpPr>
         <p:spPr/>
         <p:txBody>
+          <a:bodyPr>
+            <a:normAutofit/>
+          </a:bodyPr>
+          <a:lstStyle>
+            <a:lvl1pPr>
+              <a:defRPr sz="1600"/>
+            </a:lvl1pPr>
+            <a:lvl2pPr>
+              <a:defRPr sz="1600"/>
+            </a:lvl2pPr>
+            <a:lvl3pPr>
+              <a:defRPr sz="1600"/>
+            </a:lvl3pPr>
+            <a:lvl4pPr>
+              <a:defRPr sz="1600"/>
+            </a:lvl4pPr>
+            <a:lvl5pPr>
+              <a:defRPr sz="1600"/>
+            </a:lvl5pPr>
+          </a:lstStyle>
+          <a:p>
+            <a:pPr lvl="0"/>
+            <a:r>
+              <a:rPr lang="en-US" dirty="0"/>
+              <a:t>Click to edit Master text styles</a:t>
+            </a:r>
+          </a:p>
+          <a:p>
+            <a:pPr lvl="1"/>
+            <a:r>
+              <a:rPr lang="en-US" dirty="0"/>
+              <a:t>Second level</a:t>
+            </a:r>
+          </a:p>
+          <a:p>
+            <a:pPr lvl="2"/>
+            <a:r>
+              <a:rPr lang="en-US" dirty="0"/>
+              <a:t>Third level</a:t>
+            </a:r>
+          </a:p>
+          <a:p>
+            <a:pPr lvl="3"/>
+            <a:r>
+              <a:rPr lang="en-US" dirty="0"/>
+              <a:t>Fourth level</a:t>
+            </a:r>
+          </a:p>
+          <a:p>
+            <a:pPr lvl="4"/>
+            <a:r>
+              <a:rPr lang="en-US" dirty="0"/>
+              <a:t>Fifth level</a:t>
+            </a:r>
+          </a:p>
+        </p:txBody>
+      </p:sp>
+      <p:sp>
+        <p:nvSpPr>
+          <p:cNvPr id="4" name="Date Placeholder 3"/>
+          <p:cNvSpPr>
+            <a:spLocks noGrp="1"/>
+          </p:cNvSpPr>
+          <p:nvPr>
+            <p:ph type="dt" sz="half" idx="10"/>
+          </p:nvPr>
+        </p:nvSpPr>
+        <p:spPr/>
+        <p:txBody>
           <a:bodyPr/>
           <a:lstStyle/>
           <a:p>
-            <a:pPr lvl="0"/>
-            <a:r>
-              <a:rPr lang="en-US"/>
-              <a:t>Click to edit Master text styles</a:t>
-            </a:r>
-          </a:p>
-          <a:p>
-            <a:pPr lvl="1"/>
-            <a:r>
-              <a:rPr lang="en-US"/>
-              <a:t>Second level</a:t>
-            </a:r>
-          </a:p>
-          <a:p>
-            <a:pPr lvl="2"/>
-            <a:r>
-              <a:rPr lang="en-US"/>
-              <a:t>Third level</a:t>
-            </a:r>
-          </a:p>
-          <a:p>
-            <a:pPr lvl="3"/>
-            <a:r>
-              <a:rPr lang="en-US"/>
-              <a:t>Fourth level</a:t>
-            </a:r>
-          </a:p>
-          <a:p>
-            <a:pPr lvl="4"/>
-            <a:r>
-              <a:rPr lang="en-US"/>
-              <a:t>Fifth level</a:t>
-            </a:r>
-            <a:endParaRPr lang="en-US" dirty="0"/>
-          </a:p>
-        </p:txBody>
-      </p:sp>
-      <p:sp>
-        <p:nvSpPr>
-          <p:cNvPr id="4" name="Date Placeholder 3"/>
-          <p:cNvSpPr>
-            <a:spLocks noGrp="1"/>
-          </p:cNvSpPr>
-          <p:nvPr>
-            <p:ph type="dt" sz="half" idx="10"/>
-          </p:nvPr>
-        </p:nvSpPr>
-        <p:spPr/>
-        <p:txBody>
-          <a:bodyPr/>
-          <a:lstStyle/>
-          <a:p>
             <a:fld id="{E4643566-A07C-4B6A-A37C-17F2AFE269DE}" type="datetimeFigureOut">
               <a:rPr lang="en-US" smtClean="0"/>
-              <a:t>4/15/2024</a:t>
+              <a:t>4/17/2024</a:t>
             </a:fld>
             <a:endParaRPr lang="en-US"/>
           </a:p>
@@ -1324,7 +1345,7 @@
           <a:p>
             <a:fld id="{E4643566-A07C-4B6A-A37C-17F2AFE269DE}" type="datetimeFigureOut">
               <a:rPr lang="en-US" smtClean="0"/>
-              <a:t>4/15/2024</a:t>
+              <a:t>4/17/2024</a:t>
             </a:fld>
             <a:endParaRPr lang="en-US"/>
           </a:p>
@@ -1599,7 +1620,7 @@
           <a:p>
             <a:fld id="{E4643566-A07C-4B6A-A37C-17F2AFE269DE}" type="datetimeFigureOut">
               <a:rPr lang="en-US" smtClean="0"/>
-              <a:t>4/15/2024</a:t>
+              <a:t>4/17/2024</a:t>
             </a:fld>
             <a:endParaRPr lang="en-US"/>
           </a:p>
@@ -1978,7 +1999,7 @@
           <a:p>
             <a:fld id="{E4643566-A07C-4B6A-A37C-17F2AFE269DE}" type="datetimeFigureOut">
               <a:rPr lang="en-US" smtClean="0"/>
-              <a:t>4/15/2024</a:t>
+              <a:t>4/17/2024</a:t>
             </a:fld>
             <a:endParaRPr lang="en-US"/>
           </a:p>
@@ -2096,7 +2117,7 @@
           <a:p>
             <a:fld id="{E4643566-A07C-4B6A-A37C-17F2AFE269DE}" type="datetimeFigureOut">
               <a:rPr lang="en-US" smtClean="0"/>
-              <a:t>4/15/2024</a:t>
+              <a:t>4/17/2024</a:t>
             </a:fld>
             <a:endParaRPr lang="en-US"/>
           </a:p>
@@ -2267,7 +2288,7 @@
           <a:p>
             <a:fld id="{E4643566-A07C-4B6A-A37C-17F2AFE269DE}" type="datetimeFigureOut">
               <a:rPr lang="en-US" smtClean="0"/>
-              <a:t>4/15/2024</a:t>
+              <a:t>4/17/2024</a:t>
             </a:fld>
             <a:endParaRPr lang="en-US"/>
           </a:p>
@@ -2621,7 +2642,7 @@
           <a:p>
             <a:fld id="{E4643566-A07C-4B6A-A37C-17F2AFE269DE}" type="datetimeFigureOut">
               <a:rPr lang="en-US" smtClean="0"/>
-              <a:t>4/15/2024</a:t>
+              <a:t>4/17/2024</a:t>
             </a:fld>
             <a:endParaRPr lang="en-US"/>
           </a:p>
@@ -3003,7 +3024,7 @@
           <a:p>
             <a:fld id="{E4643566-A07C-4B6A-A37C-17F2AFE269DE}" type="datetimeFigureOut">
               <a:rPr lang="en-US" smtClean="0"/>
-              <a:t>4/15/2024</a:t>
+              <a:t>4/17/2024</a:t>
             </a:fld>
             <a:endParaRPr lang="en-US"/>
           </a:p>
@@ -3290,7 +3311,7 @@
           <a:p>
             <a:fld id="{E4643566-A07C-4B6A-A37C-17F2AFE269DE}" type="datetimeFigureOut">
               <a:rPr lang="en-US" smtClean="0"/>
-              <a:t>4/15/2024</a:t>
+              <a:t>4/17/2024</a:t>
             </a:fld>
             <a:endParaRPr lang="en-US"/>
           </a:p>
@@ -3884,6 +3905,103 @@
 </p:sld>
 </file>
 
+<file path=ppt/slides/slide10.xml><?xml version="1.0" encoding="utf-8"?>
+<p:sld xmlns:a="http://schemas.openxmlformats.org/drawingml/2006/main" xmlns:r="http://schemas.openxmlformats.org/officeDocument/2006/relationships" xmlns:p="http://schemas.openxmlformats.org/presentationml/2006/main">
+  <p:cSld>
+    <p:spTree>
+      <p:nvGrpSpPr>
+        <p:cNvPr id="1" name=""/>
+        <p:cNvGrpSpPr/>
+        <p:nvPr/>
+      </p:nvGrpSpPr>
+      <p:grpSpPr>
+        <a:xfrm>
+          <a:off x="0" y="0"/>
+          <a:ext cx="0" cy="0"/>
+          <a:chOff x="0" y="0"/>
+          <a:chExt cx="0" cy="0"/>
+        </a:xfrm>
+      </p:grpSpPr>
+      <p:sp>
+        <p:nvSpPr>
+          <p:cNvPr id="2" name="Title 1">
+            <a:extLst>
+              <a:ext uri="{FF2B5EF4-FFF2-40B4-BE49-F238E27FC236}">
+                <a16:creationId xmlns:a16="http://schemas.microsoft.com/office/drawing/2014/main" id="{D25AAB42-4329-4278-0F84-6E411B61ACA7}"/>
+              </a:ext>
+            </a:extLst>
+          </p:cNvPr>
+          <p:cNvSpPr>
+            <a:spLocks noGrp="1"/>
+          </p:cNvSpPr>
+          <p:nvPr>
+            <p:ph type="title"/>
+          </p:nvPr>
+        </p:nvSpPr>
+        <p:spPr/>
+        <p:txBody>
+          <a:bodyPr/>
+          <a:lstStyle/>
+          <a:p>
+            <a:r>
+              <a:rPr lang="en-US" dirty="0"/>
+              <a:t>9. ARM GCC inline assembly code</a:t>
+            </a:r>
+          </a:p>
+        </p:txBody>
+      </p:sp>
+      <p:sp>
+        <p:nvSpPr>
+          <p:cNvPr id="3" name="Content Placeholder 2">
+            <a:extLst>
+              <a:ext uri="{FF2B5EF4-FFF2-40B4-BE49-F238E27FC236}">
+                <a16:creationId xmlns:a16="http://schemas.microsoft.com/office/drawing/2014/main" id="{750CE0AB-515E-1199-F976-8CCD77A9D4D2}"/>
+              </a:ext>
+            </a:extLst>
+          </p:cNvPr>
+          <p:cNvSpPr>
+            <a:spLocks noGrp="1"/>
+          </p:cNvSpPr>
+          <p:nvPr>
+            <p:ph idx="1"/>
+          </p:nvPr>
+        </p:nvSpPr>
+        <p:spPr>
+          <a:xfrm>
+            <a:off x="1097280" y="1828956"/>
+            <a:ext cx="10058400" cy="4023360"/>
+          </a:xfrm>
+        </p:spPr>
+        <p:txBody>
+          <a:bodyPr/>
+          <a:lstStyle/>
+          <a:p>
+            <a:r>
+              <a:rPr lang="en-US" dirty="0"/>
+              <a:t>Inline assembly code is used to write pure assembly code inside a C program</a:t>
+            </a:r>
+          </a:p>
+          <a:p>
+            <a:pPr marL="0" indent="0">
+              <a:buNone/>
+            </a:pPr>
+            <a:endParaRPr lang="en-US" dirty="0"/>
+          </a:p>
+        </p:txBody>
+      </p:sp>
+    </p:spTree>
+    <p:extLst>
+      <p:ext uri="{BB962C8B-B14F-4D97-AF65-F5344CB8AC3E}">
+        <p14:creationId xmlns:p14="http://schemas.microsoft.com/office/powerpoint/2010/main" val="3296254141"/>
+      </p:ext>
+    </p:extLst>
+  </p:cSld>
+  <p:clrMapOvr>
+    <a:masterClrMapping/>
+  </p:clrMapOvr>
+</p:sld>
+</file>
+
 <file path=ppt/slides/slide2.xml><?xml version="1.0" encoding="utf-8"?>
 <p:sld xmlns:a="http://schemas.openxmlformats.org/drawingml/2006/main" xmlns:r="http://schemas.openxmlformats.org/officeDocument/2006/relationships" xmlns:p="http://schemas.openxmlformats.org/presentationml/2006/main">
   <p:cSld>
@@ -3948,7 +4066,7 @@
         <p:spPr/>
         <p:txBody>
           <a:bodyPr>
-            <a:normAutofit fontScale="92500" lnSpcReduction="10000"/>
+            <a:normAutofit/>
           </a:bodyPr>
           <a:lstStyle/>
           <a:p>
@@ -4988,7 +5106,42 @@
           <a:bodyPr/>
           <a:lstStyle/>
           <a:p>
-            <a:endParaRPr lang="en-US" dirty="0"/>
+            <a:r>
+              <a:rPr lang="en-US" dirty="0"/>
+              <a:t>Type:</a:t>
+            </a:r>
+          </a:p>
+          <a:p>
+            <a:pPr lvl="1"/>
+            <a:r>
+              <a:rPr lang="en-US" dirty="0"/>
+              <a:t>Thread mode</a:t>
+            </a:r>
+          </a:p>
+          <a:p>
+            <a:pPr lvl="1"/>
+            <a:r>
+              <a:rPr lang="en-US" dirty="0"/>
+              <a:t>Handler mode</a:t>
+            </a:r>
+          </a:p>
+          <a:p>
+            <a:r>
+              <a:rPr lang="en-US" dirty="0"/>
+              <a:t>All your applications code will be executed under "Thread mode" of the processor. This is also called as "User Mode“.</a:t>
+            </a:r>
+          </a:p>
+          <a:p>
+            <a:r>
+              <a:rPr lang="en-US" dirty="0"/>
+              <a:t>Processor always starts with "Thread mode"</a:t>
+            </a:r>
+          </a:p>
+          <a:p>
+            <a:r>
+              <a:rPr lang="en-US" dirty="0"/>
+              <a:t>Whenever the core meets with the system exception or any external interrupts then the core will change its mode to handler mode in order to service the ISR associated with that system exception or the interrupt.</a:t>
+            </a:r>
           </a:p>
         </p:txBody>
       </p:sp>
@@ -4996,6 +5149,709 @@
     <p:extLst>
       <p:ext uri="{BB962C8B-B14F-4D97-AF65-F5344CB8AC3E}">
         <p14:creationId xmlns:p14="http://schemas.microsoft.com/office/powerpoint/2010/main" val="3534097887"/>
+      </p:ext>
+    </p:extLst>
+  </p:cSld>
+  <p:clrMapOvr>
+    <a:masterClrMapping/>
+  </p:clrMapOvr>
+</p:sld>
+</file>
+
+<file path=ppt/slides/slide7.xml><?xml version="1.0" encoding="utf-8"?>
+<p:sld xmlns:a="http://schemas.openxmlformats.org/drawingml/2006/main" xmlns:r="http://schemas.openxmlformats.org/officeDocument/2006/relationships" xmlns:p="http://schemas.openxmlformats.org/presentationml/2006/main">
+  <p:cSld>
+    <p:spTree>
+      <p:nvGrpSpPr>
+        <p:cNvPr id="1" name=""/>
+        <p:cNvGrpSpPr/>
+        <p:nvPr/>
+      </p:nvGrpSpPr>
+      <p:grpSpPr>
+        <a:xfrm>
+          <a:off x="0" y="0"/>
+          <a:ext cx="0" cy="0"/>
+          <a:chOff x="0" y="0"/>
+          <a:chExt cx="0" cy="0"/>
+        </a:xfrm>
+      </p:grpSpPr>
+      <p:sp>
+        <p:nvSpPr>
+          <p:cNvPr id="2" name="Title 1">
+            <a:extLst>
+              <a:ext uri="{FF2B5EF4-FFF2-40B4-BE49-F238E27FC236}">
+                <a16:creationId xmlns:a16="http://schemas.microsoft.com/office/drawing/2014/main" id="{16423E56-6B24-A658-7869-592C2F78C22D}"/>
+              </a:ext>
+            </a:extLst>
+          </p:cNvPr>
+          <p:cNvSpPr>
+            <a:spLocks noGrp="1"/>
+          </p:cNvSpPr>
+          <p:nvPr>
+            <p:ph type="title"/>
+          </p:nvPr>
+        </p:nvSpPr>
+        <p:spPr/>
+        <p:txBody>
+          <a:bodyPr/>
+          <a:lstStyle/>
+          <a:p>
+            <a:r>
+              <a:rPr lang="en-US" dirty="0"/>
+              <a:t>6. Access levels</a:t>
+            </a:r>
+          </a:p>
+        </p:txBody>
+      </p:sp>
+      <p:sp>
+        <p:nvSpPr>
+          <p:cNvPr id="3" name="Content Placeholder 2">
+            <a:extLst>
+              <a:ext uri="{FF2B5EF4-FFF2-40B4-BE49-F238E27FC236}">
+                <a16:creationId xmlns:a16="http://schemas.microsoft.com/office/drawing/2014/main" id="{FF304BBB-99DC-00FC-7BC9-70417158B16A}"/>
+              </a:ext>
+            </a:extLst>
+          </p:cNvPr>
+          <p:cNvSpPr>
+            <a:spLocks noGrp="1"/>
+          </p:cNvSpPr>
+          <p:nvPr>
+            <p:ph idx="1"/>
+          </p:nvPr>
+        </p:nvSpPr>
+        <p:spPr/>
+        <p:txBody>
+          <a:bodyPr/>
+          <a:lstStyle/>
+          <a:p>
+            <a:endParaRPr lang="en-US"/>
+          </a:p>
+        </p:txBody>
+      </p:sp>
+    </p:spTree>
+    <p:extLst>
+      <p:ext uri="{BB962C8B-B14F-4D97-AF65-F5344CB8AC3E}">
+        <p14:creationId xmlns:p14="http://schemas.microsoft.com/office/powerpoint/2010/main" val="1519719312"/>
+      </p:ext>
+    </p:extLst>
+  </p:cSld>
+  <p:clrMapOvr>
+    <a:masterClrMapping/>
+  </p:clrMapOvr>
+</p:sld>
+</file>
+
+<file path=ppt/slides/slide8.xml><?xml version="1.0" encoding="utf-8"?>
+<p:sld xmlns:a="http://schemas.openxmlformats.org/drawingml/2006/main" xmlns:r="http://schemas.openxmlformats.org/officeDocument/2006/relationships" xmlns:p="http://schemas.openxmlformats.org/presentationml/2006/main">
+  <p:cSld>
+    <p:spTree>
+      <p:nvGrpSpPr>
+        <p:cNvPr id="1" name=""/>
+        <p:cNvGrpSpPr/>
+        <p:nvPr/>
+      </p:nvGrpSpPr>
+      <p:grpSpPr>
+        <a:xfrm>
+          <a:off x="0" y="0"/>
+          <a:ext cx="0" cy="0"/>
+          <a:chOff x="0" y="0"/>
+          <a:chExt cx="0" cy="0"/>
+        </a:xfrm>
+      </p:grpSpPr>
+      <p:sp>
+        <p:nvSpPr>
+          <p:cNvPr id="2" name="Title 1">
+            <a:extLst>
+              <a:ext uri="{FF2B5EF4-FFF2-40B4-BE49-F238E27FC236}">
+                <a16:creationId xmlns:a16="http://schemas.microsoft.com/office/drawing/2014/main" id="{DDF92C6B-C89A-F05F-80A4-88A52919FF86}"/>
+              </a:ext>
+            </a:extLst>
+          </p:cNvPr>
+          <p:cNvSpPr>
+            <a:spLocks noGrp="1"/>
+          </p:cNvSpPr>
+          <p:nvPr>
+            <p:ph type="title"/>
+          </p:nvPr>
+        </p:nvSpPr>
+        <p:spPr/>
+        <p:txBody>
+          <a:bodyPr/>
+          <a:lstStyle/>
+          <a:p>
+            <a:r>
+              <a:rPr lang="en-US" dirty="0"/>
+              <a:t>7. Core register</a:t>
+            </a:r>
+          </a:p>
+        </p:txBody>
+      </p:sp>
+      <p:sp>
+        <p:nvSpPr>
+          <p:cNvPr id="4" name="Content Placeholder 3">
+            <a:extLst>
+              <a:ext uri="{FF2B5EF4-FFF2-40B4-BE49-F238E27FC236}">
+                <a16:creationId xmlns:a16="http://schemas.microsoft.com/office/drawing/2014/main" id="{4A65E85D-6AC0-7FCA-E34E-1EDB396B72EC}"/>
+              </a:ext>
+            </a:extLst>
+          </p:cNvPr>
+          <p:cNvSpPr>
+            <a:spLocks noGrp="1"/>
+          </p:cNvSpPr>
+          <p:nvPr>
+            <p:ph idx="1"/>
+          </p:nvPr>
+        </p:nvSpPr>
+        <p:spPr/>
+        <p:txBody>
+          <a:bodyPr/>
+          <a:lstStyle/>
+          <a:p>
+            <a:endParaRPr lang="en-US"/>
+          </a:p>
+        </p:txBody>
+      </p:sp>
+    </p:spTree>
+    <p:extLst>
+      <p:ext uri="{BB962C8B-B14F-4D97-AF65-F5344CB8AC3E}">
+        <p14:creationId xmlns:p14="http://schemas.microsoft.com/office/powerpoint/2010/main" val="1272067459"/>
+      </p:ext>
+    </p:extLst>
+  </p:cSld>
+  <p:clrMapOvr>
+    <a:masterClrMapping/>
+  </p:clrMapOvr>
+</p:sld>
+</file>
+
+<file path=ppt/slides/slide9.xml><?xml version="1.0" encoding="utf-8"?>
+<p:sld xmlns:a="http://schemas.openxmlformats.org/drawingml/2006/main" xmlns:r="http://schemas.openxmlformats.org/officeDocument/2006/relationships" xmlns:p="http://schemas.openxmlformats.org/presentationml/2006/main">
+  <p:cSld>
+    <p:spTree>
+      <p:nvGrpSpPr>
+        <p:cNvPr id="1" name=""/>
+        <p:cNvGrpSpPr/>
+        <p:nvPr/>
+      </p:nvGrpSpPr>
+      <p:grpSpPr>
+        <a:xfrm>
+          <a:off x="0" y="0"/>
+          <a:ext cx="0" cy="0"/>
+          <a:chOff x="0" y="0"/>
+          <a:chExt cx="0" cy="0"/>
+        </a:xfrm>
+      </p:grpSpPr>
+      <p:sp>
+        <p:nvSpPr>
+          <p:cNvPr id="2" name="Title 1">
+            <a:extLst>
+              <a:ext uri="{FF2B5EF4-FFF2-40B4-BE49-F238E27FC236}">
+                <a16:creationId xmlns:a16="http://schemas.microsoft.com/office/drawing/2014/main" id="{97D8684E-9572-6783-47B9-50C690383401}"/>
+              </a:ext>
+            </a:extLst>
+          </p:cNvPr>
+          <p:cNvSpPr>
+            <a:spLocks noGrp="1"/>
+          </p:cNvSpPr>
+          <p:nvPr>
+            <p:ph type="title"/>
+          </p:nvPr>
+        </p:nvSpPr>
+        <p:spPr/>
+        <p:txBody>
+          <a:bodyPr/>
+          <a:lstStyle/>
+          <a:p>
+            <a:r>
+              <a:rPr lang="en-US" dirty="0"/>
+              <a:t>8. Memory mapped and non memory mapped registers of the microcontroller</a:t>
+            </a:r>
+          </a:p>
+        </p:txBody>
+      </p:sp>
+      <p:sp>
+        <p:nvSpPr>
+          <p:cNvPr id="6" name="Content Placeholder 5">
+            <a:extLst>
+              <a:ext uri="{FF2B5EF4-FFF2-40B4-BE49-F238E27FC236}">
+                <a16:creationId xmlns:a16="http://schemas.microsoft.com/office/drawing/2014/main" id="{051D713E-DDE8-F183-32CF-4BBE9F222205}"/>
+              </a:ext>
+            </a:extLst>
+          </p:cNvPr>
+          <p:cNvSpPr>
+            <a:spLocks noGrp="1"/>
+          </p:cNvSpPr>
+          <p:nvPr>
+            <p:ph idx="1"/>
+          </p:nvPr>
+        </p:nvSpPr>
+        <p:spPr>
+          <a:xfrm>
+            <a:off x="1097280" y="1501629"/>
+            <a:ext cx="10058400" cy="5356371"/>
+          </a:xfrm>
+        </p:spPr>
+        <p:txBody>
+          <a:bodyPr numCol="2" spcCol="457200">
+            <a:normAutofit/>
+          </a:bodyPr>
+          <a:lstStyle/>
+          <a:p>
+            <a:endParaRPr lang="en-US" dirty="0"/>
+          </a:p>
+          <a:p>
+            <a:endParaRPr lang="en-US" dirty="0"/>
+          </a:p>
+          <a:p>
+            <a:endParaRPr lang="en-US" dirty="0"/>
+          </a:p>
+          <a:p>
+            <a:endParaRPr lang="en-US" dirty="0"/>
+          </a:p>
+          <a:p>
+            <a:endParaRPr lang="en-US" dirty="0"/>
+          </a:p>
+          <a:p>
+            <a:endParaRPr lang="en-US" dirty="0"/>
+          </a:p>
+          <a:p>
+            <a:pPr marL="0" indent="0">
+              <a:buNone/>
+            </a:pPr>
+            <a:endParaRPr lang="en-US" dirty="0"/>
+          </a:p>
+          <a:p>
+            <a:r>
+              <a:rPr lang="en-US" dirty="0"/>
+              <a:t>The registers do not have unique addresses to access them. Hence, they are not part of the processor memory map</a:t>
+            </a:r>
+          </a:p>
+          <a:p>
+            <a:r>
+              <a:rPr lang="en-US" dirty="0"/>
+              <a:t>You cannot access these registers in a C program using address dereferencing</a:t>
+            </a:r>
+          </a:p>
+          <a:p>
+            <a:r>
+              <a:rPr lang="en-US" dirty="0"/>
+              <a:t>To access these register in C, you have to use assembly instruction</a:t>
+            </a:r>
+          </a:p>
+          <a:p>
+            <a:endParaRPr lang="en-US" dirty="0"/>
+          </a:p>
+          <a:p>
+            <a:endParaRPr lang="en-US" dirty="0"/>
+          </a:p>
+          <a:p>
+            <a:endParaRPr lang="en-US" dirty="0"/>
+          </a:p>
+          <a:p>
+            <a:endParaRPr lang="en-US" dirty="0"/>
+          </a:p>
+          <a:p>
+            <a:endParaRPr lang="en-US" dirty="0"/>
+          </a:p>
+          <a:p>
+            <a:endParaRPr lang="en-US" dirty="0"/>
+          </a:p>
+          <a:p>
+            <a:endParaRPr lang="en-US" dirty="0"/>
+          </a:p>
+          <a:p>
+            <a:pPr marL="0" indent="0">
+              <a:buNone/>
+            </a:pPr>
+            <a:endParaRPr lang="en-US" dirty="0"/>
+          </a:p>
+          <a:p>
+            <a:pPr marL="0" indent="0">
+              <a:buNone/>
+            </a:pPr>
+            <a:endParaRPr lang="en-US" dirty="0"/>
+          </a:p>
+          <a:p>
+            <a:r>
+              <a:rPr lang="en-US" dirty="0"/>
+              <a:t>Every register has its address in the processor memory map</a:t>
+            </a:r>
+          </a:p>
+          <a:p>
+            <a:r>
+              <a:rPr lang="en-US" dirty="0"/>
+              <a:t>You can access these registers in a C program using address dereferencing</a:t>
+            </a:r>
+          </a:p>
+        </p:txBody>
+      </p:sp>
+      <p:grpSp>
+        <p:nvGrpSpPr>
+          <p:cNvPr id="8" name="Group 7">
+            <a:extLst>
+              <a:ext uri="{FF2B5EF4-FFF2-40B4-BE49-F238E27FC236}">
+                <a16:creationId xmlns:a16="http://schemas.microsoft.com/office/drawing/2014/main" id="{4D4C74B9-A92D-5A03-E01C-AED1D1C8D8B4}"/>
+              </a:ext>
+            </a:extLst>
+          </p:cNvPr>
+          <p:cNvGrpSpPr/>
+          <p:nvPr/>
+        </p:nvGrpSpPr>
+        <p:grpSpPr>
+          <a:xfrm>
+            <a:off x="1248941" y="1853967"/>
+            <a:ext cx="3625064" cy="2531316"/>
+            <a:chOff x="1181829" y="1786855"/>
+            <a:chExt cx="3625064" cy="2531316"/>
+          </a:xfrm>
+        </p:grpSpPr>
+        <p:pic>
+          <p:nvPicPr>
+            <p:cNvPr id="2052" name="Picture 4" descr="Using the ARMv8-M TrustZone with GCC – Lobaro.com">
+              <a:extLst>
+                <a:ext uri="{FF2B5EF4-FFF2-40B4-BE49-F238E27FC236}">
+                  <a16:creationId xmlns:a16="http://schemas.microsoft.com/office/drawing/2014/main" id="{93D53413-B939-17D9-AE7D-789E1D238602}"/>
+                </a:ext>
+              </a:extLst>
+            </p:cNvPr>
+            <p:cNvPicPr>
+              <a:picLocks noChangeAspect="1" noChangeArrowheads="1"/>
+            </p:cNvPicPr>
+            <p:nvPr/>
+          </p:nvPicPr>
+          <p:blipFill>
+            <a:blip r:embed="rId2" cstate="print">
+              <a:extLst>
+                <a:ext uri="{28A0092B-C50C-407E-A947-70E740481C1C}">
+                  <a14:useLocalDpi xmlns:a14="http://schemas.microsoft.com/office/drawing/2010/main" val="0"/>
+                </a:ext>
+              </a:extLst>
+            </a:blip>
+            <a:srcRect/>
+            <a:stretch>
+              <a:fillRect/>
+            </a:stretch>
+          </p:blipFill>
+          <p:spPr bwMode="auto">
+            <a:xfrm>
+              <a:off x="1181829" y="1786855"/>
+              <a:ext cx="3625064" cy="2205983"/>
+            </a:xfrm>
+            <a:prstGeom prst="rect">
+              <a:avLst/>
+            </a:prstGeom>
+            <a:noFill/>
+            <a:extLst>
+              <a:ext uri="{909E8E84-426E-40DD-AFC4-6F175D3DCCD1}">
+                <a14:hiddenFill xmlns:a14="http://schemas.microsoft.com/office/drawing/2010/main">
+                  <a:solidFill>
+                    <a:srgbClr val="FFFFFF"/>
+                  </a:solidFill>
+                </a14:hiddenFill>
+              </a:ext>
+            </a:extLst>
+          </p:spPr>
+        </p:pic>
+        <p:sp>
+          <p:nvSpPr>
+            <p:cNvPr id="7" name="TextBox 6">
+              <a:extLst>
+                <a:ext uri="{FF2B5EF4-FFF2-40B4-BE49-F238E27FC236}">
+                  <a16:creationId xmlns:a16="http://schemas.microsoft.com/office/drawing/2014/main" id="{0ED460FA-350D-732E-9192-92F2F68B2809}"/>
+                </a:ext>
+              </a:extLst>
+            </p:cNvPr>
+            <p:cNvSpPr txBox="1"/>
+            <p:nvPr/>
+          </p:nvSpPr>
+          <p:spPr>
+            <a:xfrm>
+              <a:off x="1925446" y="4041172"/>
+              <a:ext cx="2137829" cy="276999"/>
+            </a:xfrm>
+            <a:prstGeom prst="rect">
+              <a:avLst/>
+            </a:prstGeom>
+            <a:noFill/>
+          </p:spPr>
+          <p:txBody>
+            <a:bodyPr wrap="none" rtlCol="0">
+              <a:spAutoFit/>
+            </a:bodyPr>
+            <a:lstStyle/>
+            <a:p>
+              <a:r>
+                <a:rPr lang="en-US" sz="1200" dirty="0"/>
+                <a:t>Non-memory mapped registers</a:t>
+              </a:r>
+            </a:p>
+          </p:txBody>
+        </p:sp>
+      </p:grpSp>
+      <p:grpSp>
+        <p:nvGrpSpPr>
+          <p:cNvPr id="14" name="Group 13">
+            <a:extLst>
+              <a:ext uri="{FF2B5EF4-FFF2-40B4-BE49-F238E27FC236}">
+                <a16:creationId xmlns:a16="http://schemas.microsoft.com/office/drawing/2014/main" id="{924B407B-D36A-B3B4-1C06-9B7DE9DCB1BF}"/>
+              </a:ext>
+            </a:extLst>
+          </p:cNvPr>
+          <p:cNvGrpSpPr/>
+          <p:nvPr/>
+        </p:nvGrpSpPr>
+        <p:grpSpPr>
+          <a:xfrm>
+            <a:off x="7317997" y="1946246"/>
+            <a:ext cx="2919368" cy="2669132"/>
+            <a:chOff x="6719582" y="1963024"/>
+            <a:chExt cx="2919368" cy="2669132"/>
+          </a:xfrm>
+        </p:grpSpPr>
+        <p:grpSp>
+          <p:nvGrpSpPr>
+            <p:cNvPr id="12" name="Group 11">
+              <a:extLst>
+                <a:ext uri="{FF2B5EF4-FFF2-40B4-BE49-F238E27FC236}">
+                  <a16:creationId xmlns:a16="http://schemas.microsoft.com/office/drawing/2014/main" id="{10877DBE-85CE-61F6-B4E0-9A2AEA67221A}"/>
+                </a:ext>
+              </a:extLst>
+            </p:cNvPr>
+            <p:cNvGrpSpPr/>
+            <p:nvPr/>
+          </p:nvGrpSpPr>
+          <p:grpSpPr>
+            <a:xfrm>
+              <a:off x="6719582" y="1963024"/>
+              <a:ext cx="2919368" cy="2422259"/>
+              <a:chOff x="6719582" y="1963024"/>
+              <a:chExt cx="2919368" cy="2422259"/>
+            </a:xfrm>
+          </p:grpSpPr>
+          <p:sp>
+            <p:nvSpPr>
+              <p:cNvPr id="9" name="TextBox 8">
+                <a:extLst>
+                  <a:ext uri="{FF2B5EF4-FFF2-40B4-BE49-F238E27FC236}">
+                    <a16:creationId xmlns:a16="http://schemas.microsoft.com/office/drawing/2014/main" id="{3D987CA8-45AB-9D3C-A354-FC85EE0A622D}"/>
+                  </a:ext>
+                </a:extLst>
+              </p:cNvPr>
+              <p:cNvSpPr txBox="1"/>
+              <p:nvPr/>
+            </p:nvSpPr>
+            <p:spPr>
+              <a:xfrm>
+                <a:off x="6853805" y="2071637"/>
+                <a:ext cx="2659310" cy="923330"/>
+              </a:xfrm>
+              <a:prstGeom prst="rect">
+                <a:avLst/>
+              </a:prstGeom>
+              <a:solidFill>
+                <a:schemeClr val="tx1"/>
+              </a:solidFill>
+              <a:ln>
+                <a:solidFill>
+                  <a:schemeClr val="tx1"/>
+                </a:solidFill>
+              </a:ln>
+            </p:spPr>
+            <p:txBody>
+              <a:bodyPr wrap="square" rtlCol="0">
+                <a:spAutoFit/>
+              </a:bodyPr>
+              <a:lstStyle/>
+              <a:p>
+                <a:r>
+                  <a:rPr lang="en-US" dirty="0">
+                    <a:solidFill>
+                      <a:schemeClr val="bg1">
+                        <a:lumMod val="95000"/>
+                      </a:schemeClr>
+                    </a:solidFill>
+                  </a:rPr>
+                  <a:t>Register of the processor specific peripherals (NVIC, MPU, SCB, DEBUG, </a:t>
+                </a:r>
+                <a:r>
+                  <a:rPr lang="en-US" dirty="0" err="1">
+                    <a:solidFill>
+                      <a:schemeClr val="bg1">
+                        <a:lumMod val="95000"/>
+                      </a:schemeClr>
+                    </a:solidFill>
+                  </a:rPr>
+                  <a:t>etc</a:t>
+                </a:r>
+                <a:r>
+                  <a:rPr lang="en-US" dirty="0">
+                    <a:solidFill>
+                      <a:schemeClr val="bg1">
+                        <a:lumMod val="95000"/>
+                      </a:schemeClr>
+                    </a:solidFill>
+                  </a:rPr>
+                  <a:t>)</a:t>
+                </a:r>
+              </a:p>
+            </p:txBody>
+          </p:sp>
+          <p:sp>
+            <p:nvSpPr>
+              <p:cNvPr id="10" name="TextBox 9">
+                <a:extLst>
+                  <a:ext uri="{FF2B5EF4-FFF2-40B4-BE49-F238E27FC236}">
+                    <a16:creationId xmlns:a16="http://schemas.microsoft.com/office/drawing/2014/main" id="{77E6BA63-AB52-B75E-AD67-1841EDC7637F}"/>
+                  </a:ext>
+                </a:extLst>
+              </p:cNvPr>
+              <p:cNvSpPr txBox="1"/>
+              <p:nvPr/>
+            </p:nvSpPr>
+            <p:spPr>
+              <a:xfrm>
+                <a:off x="6853806" y="3078257"/>
+                <a:ext cx="2659310" cy="1200329"/>
+              </a:xfrm>
+              <a:prstGeom prst="rect">
+                <a:avLst/>
+              </a:prstGeom>
+              <a:solidFill>
+                <a:schemeClr val="tx1"/>
+              </a:solidFill>
+              <a:ln>
+                <a:solidFill>
+                  <a:schemeClr val="tx1"/>
+                </a:solidFill>
+              </a:ln>
+            </p:spPr>
+            <p:txBody>
+              <a:bodyPr wrap="square" rtlCol="0">
+                <a:spAutoFit/>
+              </a:bodyPr>
+              <a:lstStyle/>
+              <a:p>
+                <a:r>
+                  <a:rPr lang="en-US" dirty="0">
+                    <a:solidFill>
+                      <a:schemeClr val="bg1">
+                        <a:lumMod val="95000"/>
+                      </a:schemeClr>
+                    </a:solidFill>
+                  </a:rPr>
+                  <a:t>Register of the microcontroller specific peripherals (RTC, I2C, TIMER, CAN, USB, </a:t>
+                </a:r>
+                <a:r>
+                  <a:rPr lang="en-US" dirty="0" err="1">
+                    <a:solidFill>
+                      <a:schemeClr val="bg1">
+                        <a:lumMod val="95000"/>
+                      </a:schemeClr>
+                    </a:solidFill>
+                  </a:rPr>
+                  <a:t>etc</a:t>
+                </a:r>
+                <a:r>
+                  <a:rPr lang="en-US" dirty="0">
+                    <a:solidFill>
+                      <a:schemeClr val="bg1">
+                        <a:lumMod val="95000"/>
+                      </a:schemeClr>
+                    </a:solidFill>
+                  </a:rPr>
+                  <a:t>)</a:t>
+                </a:r>
+              </a:p>
+            </p:txBody>
+          </p:sp>
+          <p:sp>
+            <p:nvSpPr>
+              <p:cNvPr id="11" name="Rectangle 10">
+                <a:extLst>
+                  <a:ext uri="{FF2B5EF4-FFF2-40B4-BE49-F238E27FC236}">
+                    <a16:creationId xmlns:a16="http://schemas.microsoft.com/office/drawing/2014/main" id="{58356D52-52A2-F381-5930-300FE3AFDE30}"/>
+                  </a:ext>
+                </a:extLst>
+              </p:cNvPr>
+              <p:cNvSpPr/>
+              <p:nvPr/>
+            </p:nvSpPr>
+            <p:spPr>
+              <a:xfrm>
+                <a:off x="6719582" y="1963024"/>
+                <a:ext cx="2919368" cy="2422259"/>
+              </a:xfrm>
+              <a:prstGeom prst="rect">
+                <a:avLst/>
+              </a:prstGeom>
+              <a:noFill/>
+            </p:spPr>
+            <p:style>
+              <a:lnRef idx="2">
+                <a:schemeClr val="accent1">
+                  <a:shade val="15000"/>
+                </a:schemeClr>
+              </a:lnRef>
+              <a:fillRef idx="1">
+                <a:schemeClr val="accent1"/>
+              </a:fillRef>
+              <a:effectRef idx="0">
+                <a:schemeClr val="accent1"/>
+              </a:effectRef>
+              <a:fontRef idx="minor">
+                <a:schemeClr val="lt1"/>
+              </a:fontRef>
+            </p:style>
+            <p:txBody>
+              <a:bodyPr rtlCol="0" anchor="ctr"/>
+              <a:lstStyle/>
+              <a:p>
+                <a:pPr algn="ctr"/>
+                <a:endParaRPr lang="en-US"/>
+              </a:p>
+            </p:txBody>
+          </p:sp>
+        </p:grpSp>
+        <p:sp>
+          <p:nvSpPr>
+            <p:cNvPr id="13" name="TextBox 12">
+              <a:extLst>
+                <a:ext uri="{FF2B5EF4-FFF2-40B4-BE49-F238E27FC236}">
+                  <a16:creationId xmlns:a16="http://schemas.microsoft.com/office/drawing/2014/main" id="{5B2FE38A-C15D-2D71-D37B-329321485334}"/>
+                </a:ext>
+              </a:extLst>
+            </p:cNvPr>
+            <p:cNvSpPr txBox="1"/>
+            <p:nvPr/>
+          </p:nvSpPr>
+          <p:spPr>
+            <a:xfrm>
+              <a:off x="7260232" y="4355157"/>
+              <a:ext cx="1838067" cy="276999"/>
+            </a:xfrm>
+            <a:prstGeom prst="rect">
+              <a:avLst/>
+            </a:prstGeom>
+            <a:noFill/>
+          </p:spPr>
+          <p:txBody>
+            <a:bodyPr wrap="none" rtlCol="0">
+              <a:spAutoFit/>
+            </a:bodyPr>
+            <a:lstStyle/>
+            <a:p>
+              <a:r>
+                <a:rPr lang="en-US" sz="1200" dirty="0"/>
+                <a:t>Memory mapped registers</a:t>
+              </a:r>
+            </a:p>
+          </p:txBody>
+        </p:sp>
+      </p:grpSp>
+    </p:spTree>
+    <p:extLst>
+      <p:ext uri="{BB962C8B-B14F-4D97-AF65-F5344CB8AC3E}">
+        <p14:creationId xmlns:p14="http://schemas.microsoft.com/office/powerpoint/2010/main" val="1074054927"/>
       </p:ext>
     </p:extLst>
   </p:cSld>

--- a/Documents/Cortex M33.pptx
+++ b/Documents/Cortex M33.pptx
@@ -347,7 +347,7 @@
           <a:p>
             <a:fld id="{E4643566-A07C-4B6A-A37C-17F2AFE269DE}" type="datetimeFigureOut">
               <a:rPr lang="en-US" smtClean="0"/>
-              <a:t>4/17/2024</a:t>
+              <a:t>4/18/2024</a:t>
             </a:fld>
             <a:endParaRPr lang="en-US"/>
           </a:p>
@@ -555,7 +555,7 @@
           <a:p>
             <a:fld id="{E4643566-A07C-4B6A-A37C-17F2AFE269DE}" type="datetimeFigureOut">
               <a:rPr lang="en-US" smtClean="0"/>
-              <a:t>4/17/2024</a:t>
+              <a:t>4/18/2024</a:t>
             </a:fld>
             <a:endParaRPr lang="en-US"/>
           </a:p>
@@ -811,7 +811,7 @@
           <a:p>
             <a:fld id="{E4643566-A07C-4B6A-A37C-17F2AFE269DE}" type="datetimeFigureOut">
               <a:rPr lang="en-US" smtClean="0"/>
-              <a:t>4/17/2024</a:t>
+              <a:t>4/18/2024</a:t>
             </a:fld>
             <a:endParaRPr lang="en-US"/>
           </a:p>
@@ -1002,7 +1002,7 @@
           <a:p>
             <a:fld id="{E4643566-A07C-4B6A-A37C-17F2AFE269DE}" type="datetimeFigureOut">
               <a:rPr lang="en-US" smtClean="0"/>
-              <a:t>4/17/2024</a:t>
+              <a:t>4/18/2024</a:t>
             </a:fld>
             <a:endParaRPr lang="en-US"/>
           </a:p>
@@ -1345,7 +1345,7 @@
           <a:p>
             <a:fld id="{E4643566-A07C-4B6A-A37C-17F2AFE269DE}" type="datetimeFigureOut">
               <a:rPr lang="en-US" smtClean="0"/>
-              <a:t>4/17/2024</a:t>
+              <a:t>4/18/2024</a:t>
             </a:fld>
             <a:endParaRPr lang="en-US"/>
           </a:p>
@@ -1620,7 +1620,7 @@
           <a:p>
             <a:fld id="{E4643566-A07C-4B6A-A37C-17F2AFE269DE}" type="datetimeFigureOut">
               <a:rPr lang="en-US" smtClean="0"/>
-              <a:t>4/17/2024</a:t>
+              <a:t>4/18/2024</a:t>
             </a:fld>
             <a:endParaRPr lang="en-US"/>
           </a:p>
@@ -1999,7 +1999,7 @@
           <a:p>
             <a:fld id="{E4643566-A07C-4B6A-A37C-17F2AFE269DE}" type="datetimeFigureOut">
               <a:rPr lang="en-US" smtClean="0"/>
-              <a:t>4/17/2024</a:t>
+              <a:t>4/18/2024</a:t>
             </a:fld>
             <a:endParaRPr lang="en-US"/>
           </a:p>
@@ -2117,7 +2117,7 @@
           <a:p>
             <a:fld id="{E4643566-A07C-4B6A-A37C-17F2AFE269DE}" type="datetimeFigureOut">
               <a:rPr lang="en-US" smtClean="0"/>
-              <a:t>4/17/2024</a:t>
+              <a:t>4/18/2024</a:t>
             </a:fld>
             <a:endParaRPr lang="en-US"/>
           </a:p>
@@ -2288,7 +2288,7 @@
           <a:p>
             <a:fld id="{E4643566-A07C-4B6A-A37C-17F2AFE269DE}" type="datetimeFigureOut">
               <a:rPr lang="en-US" smtClean="0"/>
-              <a:t>4/17/2024</a:t>
+              <a:t>4/18/2024</a:t>
             </a:fld>
             <a:endParaRPr lang="en-US"/>
           </a:p>
@@ -2642,7 +2642,7 @@
           <a:p>
             <a:fld id="{E4643566-A07C-4B6A-A37C-17F2AFE269DE}" type="datetimeFigureOut">
               <a:rPr lang="en-US" smtClean="0"/>
-              <a:t>4/17/2024</a:t>
+              <a:t>4/18/2024</a:t>
             </a:fld>
             <a:endParaRPr lang="en-US"/>
           </a:p>
@@ -3024,7 +3024,7 @@
           <a:p>
             <a:fld id="{E4643566-A07C-4B6A-A37C-17F2AFE269DE}" type="datetimeFigureOut">
               <a:rPr lang="en-US" smtClean="0"/>
-              <a:t>4/17/2024</a:t>
+              <a:t>4/18/2024</a:t>
             </a:fld>
             <a:endParaRPr lang="en-US"/>
           </a:p>
@@ -3311,7 +3311,7 @@
           <a:p>
             <a:fld id="{E4643566-A07C-4B6A-A37C-17F2AFE269DE}" type="datetimeFigureOut">
               <a:rPr lang="en-US" smtClean="0"/>
-              <a:t>4/17/2024</a:t>
+              <a:t>4/18/2024</a:t>
             </a:fld>
             <a:endParaRPr lang="en-US"/>
           </a:p>
@@ -5180,7 +5180,7 @@
           <p:cNvPr id="2" name="Title 1">
             <a:extLst>
               <a:ext uri="{FF2B5EF4-FFF2-40B4-BE49-F238E27FC236}">
-                <a16:creationId xmlns:a16="http://schemas.microsoft.com/office/drawing/2014/main" id="{16423E56-6B24-A658-7869-592C2F78C22D}"/>
+                <a16:creationId xmlns:a16="http://schemas.microsoft.com/office/drawing/2014/main" id="{815AB952-0D0F-B0C9-717B-BE0F4C381C6D}"/>
               </a:ext>
             </a:extLst>
           </p:cNvPr>
@@ -5208,7 +5208,7 @@
           <p:cNvPr id="3" name="Content Placeholder 2">
             <a:extLst>
               <a:ext uri="{FF2B5EF4-FFF2-40B4-BE49-F238E27FC236}">
-                <a16:creationId xmlns:a16="http://schemas.microsoft.com/office/drawing/2014/main" id="{FF304BBB-99DC-00FC-7BC9-70417158B16A}"/>
+                <a16:creationId xmlns:a16="http://schemas.microsoft.com/office/drawing/2014/main" id="{7F8F1684-9FF3-41B4-60AF-3FF743DACD0A}"/>
               </a:ext>
             </a:extLst>
           </p:cNvPr>
@@ -5224,14 +5224,84 @@
           <a:bodyPr/>
           <a:lstStyle/>
           <a:p>
-            <a:endParaRPr lang="en-US"/>
+            <a:r>
+              <a:rPr lang="en-US" dirty="0"/>
+              <a:t>Types:</a:t>
+            </a:r>
+          </a:p>
+          <a:p>
+            <a:pPr lvl="1"/>
+            <a:r>
+              <a:rPr lang="en-US" dirty="0"/>
+              <a:t>Privileged level (PAL)</a:t>
+            </a:r>
+          </a:p>
+          <a:p>
+            <a:pPr lvl="2"/>
+            <a:r>
+              <a:rPr lang="en-US" dirty="0"/>
+              <a:t>Full access to processor resources</a:t>
+            </a:r>
+          </a:p>
+          <a:p>
+            <a:pPr lvl="2"/>
+            <a:r>
+              <a:rPr lang="en-US" dirty="0"/>
+              <a:t>Handler mode is always privileged</a:t>
+            </a:r>
+          </a:p>
+          <a:p>
+            <a:pPr lvl="2"/>
+            <a:r>
+              <a:rPr lang="en-US" dirty="0"/>
+              <a:t>Thread mode is by default privileged, but can be changed to non-privileged</a:t>
+            </a:r>
+          </a:p>
+          <a:p>
+            <a:pPr lvl="1"/>
+            <a:r>
+              <a:rPr lang="en-US" dirty="0"/>
+              <a:t>Non-privileged level (NPAL)</a:t>
+            </a:r>
+          </a:p>
+          <a:p>
+            <a:pPr lvl="2"/>
+            <a:r>
+              <a:rPr lang="en-US" dirty="0"/>
+              <a:t>Restricted access</a:t>
+            </a:r>
+          </a:p>
+          <a:p>
+            <a:pPr lvl="2"/>
+            <a:r>
+              <a:rPr lang="en-US" dirty="0"/>
+              <a:t>You can make thread mode to run in this level</a:t>
+            </a:r>
+          </a:p>
+          <a:p>
+            <a:r>
+              <a:rPr lang="en-US" dirty="0"/>
+              <a:t>You can use the CONTROL register of the processor if you want to switch between the access level</a:t>
+            </a:r>
+          </a:p>
+          <a:p>
+            <a:pPr marL="384048" lvl="2" indent="0">
+              <a:buNone/>
+            </a:pPr>
+            <a:endParaRPr lang="en-US" dirty="0"/>
+          </a:p>
+          <a:p>
+            <a:pPr marL="0">
+              <a:buNone/>
+            </a:pPr>
+            <a:endParaRPr lang="en-US" dirty="0"/>
           </a:p>
         </p:txBody>
       </p:sp>
     </p:spTree>
     <p:extLst>
       <p:ext uri="{BB962C8B-B14F-4D97-AF65-F5344CB8AC3E}">
-        <p14:creationId xmlns:p14="http://schemas.microsoft.com/office/powerpoint/2010/main" val="1519719312"/>
+        <p14:creationId xmlns:p14="http://schemas.microsoft.com/office/powerpoint/2010/main" val="711202650"/>
       </p:ext>
     </p:extLst>
   </p:cSld>
@@ -5263,7 +5333,7 @@
           <p:cNvPr id="2" name="Title 1">
             <a:extLst>
               <a:ext uri="{FF2B5EF4-FFF2-40B4-BE49-F238E27FC236}">
-                <a16:creationId xmlns:a16="http://schemas.microsoft.com/office/drawing/2014/main" id="{DDF92C6B-C89A-F05F-80A4-88A52919FF86}"/>
+                <a16:creationId xmlns:a16="http://schemas.microsoft.com/office/drawing/2014/main" id="{5F3F5222-3141-07EB-1BE9-82EAB3745B7B}"/>
               </a:ext>
             </a:extLst>
           </p:cNvPr>
@@ -5286,35 +5356,59 @@
           </a:p>
         </p:txBody>
       </p:sp>
-      <p:sp>
-        <p:nvSpPr>
-          <p:cNvPr id="4" name="Content Placeholder 3">
+      <p:pic>
+        <p:nvPicPr>
+          <p:cNvPr id="1026" name="Picture 2" descr="Using the ARMv8-M TrustZone with GCC – Lobaro.com">
             <a:extLst>
               <a:ext uri="{FF2B5EF4-FFF2-40B4-BE49-F238E27FC236}">
-                <a16:creationId xmlns:a16="http://schemas.microsoft.com/office/drawing/2014/main" id="{4A65E85D-6AC0-7FCA-E34E-1EDB396B72EC}"/>
+                <a16:creationId xmlns:a16="http://schemas.microsoft.com/office/drawing/2014/main" id="{BD3FAF78-78DA-A6DF-5D38-C9DD828B75DA}"/>
               </a:ext>
             </a:extLst>
           </p:cNvPr>
-          <p:cNvSpPr>
-            <a:spLocks noGrp="1"/>
-          </p:cNvSpPr>
+          <p:cNvPicPr>
+            <a:picLocks noGrp="1" noChangeAspect="1" noChangeArrowheads="1"/>
+          </p:cNvPicPr>
           <p:nvPr>
             <p:ph idx="1"/>
           </p:nvPr>
-        </p:nvSpPr>
-        <p:spPr/>
-        <p:txBody>
-          <a:bodyPr/>
-          <a:lstStyle/>
-          <a:p>
-            <a:endParaRPr lang="en-US"/>
-          </a:p>
-        </p:txBody>
-      </p:sp>
+        </p:nvPicPr>
+        <p:blipFill>
+          <a:blip r:embed="rId2">
+            <a:extLst>
+              <a:ext uri="{28A0092B-C50C-407E-A947-70E740481C1C}">
+                <a14:useLocalDpi xmlns:a14="http://schemas.microsoft.com/office/drawing/2010/main" val="0"/>
+              </a:ext>
+            </a:extLst>
+          </a:blip>
+          <a:srcRect/>
+          <a:stretch>
+            <a:fillRect/>
+          </a:stretch>
+        </p:blipFill>
+        <p:spPr bwMode="auto">
+          <a:xfrm>
+            <a:off x="2821024" y="2024063"/>
+            <a:ext cx="6610912" cy="4022725"/>
+          </a:xfrm>
+          <a:prstGeom prst="rect">
+            <a:avLst/>
+          </a:prstGeom>
+          <a:noFill/>
+          <a:extLst>
+            <a:ext uri="{909E8E84-426E-40DD-AFC4-6F175D3DCCD1}">
+              <a14:hiddenFill xmlns:a14="http://schemas.microsoft.com/office/drawing/2010/main">
+                <a:solidFill>
+                  <a:srgbClr val="FFFFFF"/>
+                </a:solidFill>
+              </a14:hiddenFill>
+            </a:ext>
+          </a:extLst>
+        </p:spPr>
+      </p:pic>
     </p:spTree>
     <p:extLst>
       <p:ext uri="{BB962C8B-B14F-4D97-AF65-F5344CB8AC3E}">
-        <p14:creationId xmlns:p14="http://schemas.microsoft.com/office/powerpoint/2010/main" val="1272067459"/>
+        <p14:creationId xmlns:p14="http://schemas.microsoft.com/office/powerpoint/2010/main" val="2301881806"/>
       </p:ext>
     </p:extLst>
   </p:cSld>

--- a/Documents/Cortex M33.pptx
+++ b/Documents/Cortex M33.pptx
@@ -15,6 +15,7 @@
     <p:sldId id="272" r:id="rId9"/>
     <p:sldId id="273" r:id="rId10"/>
     <p:sldId id="274" r:id="rId11"/>
+    <p:sldId id="275" r:id="rId12"/>
   </p:sldIdLst>
   <p:sldSz cx="12192000" cy="6858000"/>
   <p:notesSz cx="6858000" cy="9144000"/>
@@ -347,7 +348,7 @@
           <a:p>
             <a:fld id="{E4643566-A07C-4B6A-A37C-17F2AFE269DE}" type="datetimeFigureOut">
               <a:rPr lang="en-US" smtClean="0"/>
-              <a:t>4/18/2024</a:t>
+              <a:t>5/2/2024</a:t>
             </a:fld>
             <a:endParaRPr lang="en-US"/>
           </a:p>
@@ -555,7 +556,7 @@
           <a:p>
             <a:fld id="{E4643566-A07C-4B6A-A37C-17F2AFE269DE}" type="datetimeFigureOut">
               <a:rPr lang="en-US" smtClean="0"/>
-              <a:t>4/18/2024</a:t>
+              <a:t>5/2/2024</a:t>
             </a:fld>
             <a:endParaRPr lang="en-US"/>
           </a:p>
@@ -811,7 +812,7 @@
           <a:p>
             <a:fld id="{E4643566-A07C-4B6A-A37C-17F2AFE269DE}" type="datetimeFigureOut">
               <a:rPr lang="en-US" smtClean="0"/>
-              <a:t>4/18/2024</a:t>
+              <a:t>5/2/2024</a:t>
             </a:fld>
             <a:endParaRPr lang="en-US"/>
           </a:p>
@@ -1002,7 +1003,7 @@
           <a:p>
             <a:fld id="{E4643566-A07C-4B6A-A37C-17F2AFE269DE}" type="datetimeFigureOut">
               <a:rPr lang="en-US" smtClean="0"/>
-              <a:t>4/18/2024</a:t>
+              <a:t>5/2/2024</a:t>
             </a:fld>
             <a:endParaRPr lang="en-US"/>
           </a:p>
@@ -1345,7 +1346,7 @@
           <a:p>
             <a:fld id="{E4643566-A07C-4B6A-A37C-17F2AFE269DE}" type="datetimeFigureOut">
               <a:rPr lang="en-US" smtClean="0"/>
-              <a:t>4/18/2024</a:t>
+              <a:t>5/2/2024</a:t>
             </a:fld>
             <a:endParaRPr lang="en-US"/>
           </a:p>
@@ -1620,7 +1621,7 @@
           <a:p>
             <a:fld id="{E4643566-A07C-4B6A-A37C-17F2AFE269DE}" type="datetimeFigureOut">
               <a:rPr lang="en-US" smtClean="0"/>
-              <a:t>4/18/2024</a:t>
+              <a:t>5/2/2024</a:t>
             </a:fld>
             <a:endParaRPr lang="en-US"/>
           </a:p>
@@ -1999,7 +2000,7 @@
           <a:p>
             <a:fld id="{E4643566-A07C-4B6A-A37C-17F2AFE269DE}" type="datetimeFigureOut">
               <a:rPr lang="en-US" smtClean="0"/>
-              <a:t>4/18/2024</a:t>
+              <a:t>5/2/2024</a:t>
             </a:fld>
             <a:endParaRPr lang="en-US"/>
           </a:p>
@@ -2117,7 +2118,7 @@
           <a:p>
             <a:fld id="{E4643566-A07C-4B6A-A37C-17F2AFE269DE}" type="datetimeFigureOut">
               <a:rPr lang="en-US" smtClean="0"/>
-              <a:t>4/18/2024</a:t>
+              <a:t>5/2/2024</a:t>
             </a:fld>
             <a:endParaRPr lang="en-US"/>
           </a:p>
@@ -2288,7 +2289,7 @@
           <a:p>
             <a:fld id="{E4643566-A07C-4B6A-A37C-17F2AFE269DE}" type="datetimeFigureOut">
               <a:rPr lang="en-US" smtClean="0"/>
-              <a:t>4/18/2024</a:t>
+              <a:t>5/2/2024</a:t>
             </a:fld>
             <a:endParaRPr lang="en-US"/>
           </a:p>
@@ -2642,7 +2643,7 @@
           <a:p>
             <a:fld id="{E4643566-A07C-4B6A-A37C-17F2AFE269DE}" type="datetimeFigureOut">
               <a:rPr lang="en-US" smtClean="0"/>
-              <a:t>4/18/2024</a:t>
+              <a:t>5/2/2024</a:t>
             </a:fld>
             <a:endParaRPr lang="en-US"/>
           </a:p>
@@ -3024,7 +3025,7 @@
           <a:p>
             <a:fld id="{E4643566-A07C-4B6A-A37C-17F2AFE269DE}" type="datetimeFigureOut">
               <a:rPr lang="en-US" smtClean="0"/>
-              <a:t>4/18/2024</a:t>
+              <a:t>5/2/2024</a:t>
             </a:fld>
             <a:endParaRPr lang="en-US"/>
           </a:p>
@@ -3311,7 +3312,7 @@
           <a:p>
             <a:fld id="{E4643566-A07C-4B6A-A37C-17F2AFE269DE}" type="datetimeFigureOut">
               <a:rPr lang="en-US" smtClean="0"/>
-              <a:t>4/18/2024</a:t>
+              <a:t>5/2/2024</a:t>
             </a:fld>
             <a:endParaRPr lang="en-US"/>
           </a:p>
@@ -3993,6 +3994,229 @@
     <p:extLst>
       <p:ext uri="{BB962C8B-B14F-4D97-AF65-F5344CB8AC3E}">
         <p14:creationId xmlns:p14="http://schemas.microsoft.com/office/powerpoint/2010/main" val="3296254141"/>
+      </p:ext>
+    </p:extLst>
+  </p:cSld>
+  <p:clrMapOvr>
+    <a:masterClrMapping/>
+  </p:clrMapOvr>
+</p:sld>
+</file>
+
+<file path=ppt/slides/slide11.xml><?xml version="1.0" encoding="utf-8"?>
+<p:sld xmlns:a="http://schemas.openxmlformats.org/drawingml/2006/main" xmlns:r="http://schemas.openxmlformats.org/officeDocument/2006/relationships" xmlns:p="http://schemas.openxmlformats.org/presentationml/2006/main">
+  <p:cSld>
+    <p:spTree>
+      <p:nvGrpSpPr>
+        <p:cNvPr id="1" name=""/>
+        <p:cNvGrpSpPr/>
+        <p:nvPr/>
+      </p:nvGrpSpPr>
+      <p:grpSpPr>
+        <a:xfrm>
+          <a:off x="0" y="0"/>
+          <a:ext cx="0" cy="0"/>
+          <a:chOff x="0" y="0"/>
+          <a:chExt cx="0" cy="0"/>
+        </a:xfrm>
+      </p:grpSpPr>
+      <p:sp>
+        <p:nvSpPr>
+          <p:cNvPr id="2" name="Title 1">
+            <a:extLst>
+              <a:ext uri="{FF2B5EF4-FFF2-40B4-BE49-F238E27FC236}">
+                <a16:creationId xmlns:a16="http://schemas.microsoft.com/office/drawing/2014/main" id="{D25AAB42-4329-4278-0F84-6E411B61ACA7}"/>
+              </a:ext>
+            </a:extLst>
+          </p:cNvPr>
+          <p:cNvSpPr>
+            <a:spLocks noGrp="1"/>
+          </p:cNvSpPr>
+          <p:nvPr>
+            <p:ph type="title"/>
+          </p:nvPr>
+        </p:nvSpPr>
+        <p:spPr/>
+        <p:txBody>
+          <a:bodyPr/>
+          <a:lstStyle/>
+          <a:p>
+            <a:r>
+              <a:rPr lang="en-US" dirty="0"/>
+              <a:t>9. ARM GCC inline assembly code (</a:t>
+            </a:r>
+            <a:r>
+              <a:rPr lang="en-US" dirty="0" err="1"/>
+              <a:t>cont</a:t>
+            </a:r>
+            <a:r>
+              <a:rPr lang="en-US" dirty="0"/>
+              <a:t>)</a:t>
+            </a:r>
+          </a:p>
+        </p:txBody>
+      </p:sp>
+      <p:sp>
+        <p:nvSpPr>
+          <p:cNvPr id="3" name="Content Placeholder 2">
+            <a:extLst>
+              <a:ext uri="{FF2B5EF4-FFF2-40B4-BE49-F238E27FC236}">
+                <a16:creationId xmlns:a16="http://schemas.microsoft.com/office/drawing/2014/main" id="{750CE0AB-515E-1199-F976-8CCD77A9D4D2}"/>
+              </a:ext>
+            </a:extLst>
+          </p:cNvPr>
+          <p:cNvSpPr>
+            <a:spLocks noGrp="1"/>
+          </p:cNvSpPr>
+          <p:nvPr>
+            <p:ph idx="1"/>
+          </p:nvPr>
+        </p:nvSpPr>
+        <p:spPr>
+          <a:xfrm>
+            <a:off x="1097280" y="1828956"/>
+            <a:ext cx="10058400" cy="4023360"/>
+          </a:xfrm>
+        </p:spPr>
+        <p:txBody>
+          <a:bodyPr/>
+          <a:lstStyle/>
+          <a:p>
+            <a:r>
+              <a:rPr lang="en-US" dirty="0"/>
+              <a:t>Extended form of an inline assembler statement: </a:t>
+            </a:r>
+            <a:r>
+              <a:rPr lang="en-US" dirty="0">
+                <a:hlinkClick r:id="rId2"/>
+              </a:rPr>
+              <a:t>refer link</a:t>
+            </a:r>
+            <a:endParaRPr lang="en-US" dirty="0"/>
+          </a:p>
+          <a:p>
+            <a:r>
+              <a:rPr lang="en-US" dirty="0"/>
+              <a:t>__</a:t>
+            </a:r>
+            <a:r>
+              <a:rPr lang="en-US" dirty="0" err="1"/>
+              <a:t>asm</a:t>
+            </a:r>
+            <a:r>
+              <a:rPr lang="en-US" dirty="0"/>
+              <a:t> volatile (“MOV R0, R1”);</a:t>
+            </a:r>
+          </a:p>
+          <a:p>
+            <a:r>
+              <a:rPr lang="en-US" dirty="0"/>
+              <a:t>__</a:t>
+            </a:r>
+            <a:r>
+              <a:rPr lang="en-US" dirty="0" err="1"/>
+              <a:t>asm</a:t>
+            </a:r>
+            <a:r>
+              <a:rPr lang="en-US" dirty="0"/>
+              <a:t> volatile (“MOV R0, R1”::</a:t>
+            </a:r>
+            <a:r>
+              <a:rPr lang="en-US" dirty="0">
+                <a:sym typeface="Wingdings" panose="05000000000000000000" pitchFamily="2" charset="2"/>
+              </a:rPr>
+              <a:t>:);</a:t>
+            </a:r>
+          </a:p>
+          <a:p>
+            <a:endParaRPr lang="en-US" dirty="0">
+              <a:sym typeface="Wingdings" panose="05000000000000000000" pitchFamily="2" charset="2"/>
+            </a:endParaRPr>
+          </a:p>
+          <a:p>
+            <a:r>
+              <a:rPr lang="en-US" dirty="0">
+                <a:sym typeface="Wingdings" panose="05000000000000000000" pitchFamily="2" charset="2"/>
+              </a:rPr>
+              <a:t>__</a:t>
+            </a:r>
+            <a:r>
+              <a:rPr lang="en-US" dirty="0" err="1">
+                <a:sym typeface="Wingdings" panose="05000000000000000000" pitchFamily="2" charset="2"/>
+              </a:rPr>
+              <a:t>asm</a:t>
+            </a:r>
+            <a:r>
+              <a:rPr lang="en-US" dirty="0">
+                <a:sym typeface="Wingdings" panose="05000000000000000000" pitchFamily="2" charset="2"/>
+              </a:rPr>
+              <a:t> volatile (code : output operand list : input operand list : clobber list);</a:t>
+            </a:r>
+          </a:p>
+          <a:p>
+            <a:r>
+              <a:rPr lang="en-US" dirty="0">
+                <a:sym typeface="Wingdings" panose="05000000000000000000" pitchFamily="2" charset="2"/>
+              </a:rPr>
+              <a:t>Each input and output operand is described by a constraint string followed by a C expression in parentheses</a:t>
+            </a:r>
+          </a:p>
+          <a:p>
+            <a:r>
+              <a:rPr lang="en-US" dirty="0">
+                <a:sym typeface="Wingdings" panose="05000000000000000000" pitchFamily="2" charset="2"/>
+              </a:rPr>
+              <a:t>Input/output operand format:</a:t>
+            </a:r>
+          </a:p>
+          <a:p>
+            <a:r>
+              <a:rPr lang="en-US" dirty="0">
+                <a:sym typeface="Wingdings" panose="05000000000000000000" pitchFamily="2" charset="2"/>
+              </a:rPr>
+              <a:t>“&lt;Constraint strings&gt;” (&lt; C expression &gt;)</a:t>
+            </a:r>
+          </a:p>
+          <a:p>
+            <a:r>
+              <a:rPr lang="en-US" dirty="0">
+                <a:sym typeface="Wingdings" panose="05000000000000000000" pitchFamily="2" charset="2"/>
+              </a:rPr>
+              <a:t>Example 1: Move the content of C variable into Arm register R0</a:t>
+            </a:r>
+          </a:p>
+          <a:p>
+            <a:r>
+              <a:rPr lang="en-US" dirty="0">
+                <a:sym typeface="Wingdings" panose="05000000000000000000" pitchFamily="2" charset="2"/>
+              </a:rPr>
+              <a:t>Example 2: Move the content of R0 register into </a:t>
+            </a:r>
+            <a:r>
+              <a:rPr lang="en-US">
+                <a:sym typeface="Wingdings" panose="05000000000000000000" pitchFamily="2" charset="2"/>
+              </a:rPr>
+              <a:t>C variable</a:t>
+            </a:r>
+            <a:endParaRPr lang="en-US" dirty="0">
+              <a:sym typeface="Wingdings" panose="05000000000000000000" pitchFamily="2" charset="2"/>
+            </a:endParaRPr>
+          </a:p>
+          <a:p>
+            <a:endParaRPr lang="en-US" dirty="0"/>
+          </a:p>
+          <a:p>
+            <a:pPr marL="0" indent="0">
+              <a:buNone/>
+            </a:pPr>
+            <a:endParaRPr lang="en-US" dirty="0"/>
+          </a:p>
+        </p:txBody>
+      </p:sp>
+    </p:spTree>
+    <p:extLst>
+      <p:ext uri="{BB962C8B-B14F-4D97-AF65-F5344CB8AC3E}">
+        <p14:creationId xmlns:p14="http://schemas.microsoft.com/office/powerpoint/2010/main" val="1834001287"/>
       </p:ext>
     </p:extLst>
   </p:cSld>

--- a/Documents/Cortex M33.pptx
+++ b/Documents/Cortex M33.pptx
@@ -16,6 +16,11 @@
     <p:sldId id="273" r:id="rId10"/>
     <p:sldId id="274" r:id="rId11"/>
     <p:sldId id="275" r:id="rId12"/>
+    <p:sldId id="276" r:id="rId13"/>
+    <p:sldId id="277" r:id="rId14"/>
+    <p:sldId id="279" r:id="rId15"/>
+    <p:sldId id="280" r:id="rId16"/>
+    <p:sldId id="278" r:id="rId17"/>
   </p:sldIdLst>
   <p:sldSz cx="12192000" cy="6858000"/>
   <p:notesSz cx="6858000" cy="9144000"/>
@@ -348,7 +353,7 @@
           <a:p>
             <a:fld id="{E4643566-A07C-4B6A-A37C-17F2AFE269DE}" type="datetimeFigureOut">
               <a:rPr lang="en-US" smtClean="0"/>
-              <a:t>5/2/2024</a:t>
+              <a:t>5/5/2024</a:t>
             </a:fld>
             <a:endParaRPr lang="en-US"/>
           </a:p>
@@ -556,7 +561,7 @@
           <a:p>
             <a:fld id="{E4643566-A07C-4B6A-A37C-17F2AFE269DE}" type="datetimeFigureOut">
               <a:rPr lang="en-US" smtClean="0"/>
-              <a:t>5/2/2024</a:t>
+              <a:t>5/5/2024</a:t>
             </a:fld>
             <a:endParaRPr lang="en-US"/>
           </a:p>
@@ -812,7 +817,7 @@
           <a:p>
             <a:fld id="{E4643566-A07C-4B6A-A37C-17F2AFE269DE}" type="datetimeFigureOut">
               <a:rPr lang="en-US" smtClean="0"/>
-              <a:t>5/2/2024</a:t>
+              <a:t>5/5/2024</a:t>
             </a:fld>
             <a:endParaRPr lang="en-US"/>
           </a:p>
@@ -1003,7 +1008,7 @@
           <a:p>
             <a:fld id="{E4643566-A07C-4B6A-A37C-17F2AFE269DE}" type="datetimeFigureOut">
               <a:rPr lang="en-US" smtClean="0"/>
-              <a:t>5/2/2024</a:t>
+              <a:t>5/5/2024</a:t>
             </a:fld>
             <a:endParaRPr lang="en-US"/>
           </a:p>
@@ -1346,7 +1351,7 @@
           <a:p>
             <a:fld id="{E4643566-A07C-4B6A-A37C-17F2AFE269DE}" type="datetimeFigureOut">
               <a:rPr lang="en-US" smtClean="0"/>
-              <a:t>5/2/2024</a:t>
+              <a:t>5/5/2024</a:t>
             </a:fld>
             <a:endParaRPr lang="en-US"/>
           </a:p>
@@ -1621,7 +1626,7 @@
           <a:p>
             <a:fld id="{E4643566-A07C-4B6A-A37C-17F2AFE269DE}" type="datetimeFigureOut">
               <a:rPr lang="en-US" smtClean="0"/>
-              <a:t>5/2/2024</a:t>
+              <a:t>5/5/2024</a:t>
             </a:fld>
             <a:endParaRPr lang="en-US"/>
           </a:p>
@@ -2000,7 +2005,7 @@
           <a:p>
             <a:fld id="{E4643566-A07C-4B6A-A37C-17F2AFE269DE}" type="datetimeFigureOut">
               <a:rPr lang="en-US" smtClean="0"/>
-              <a:t>5/2/2024</a:t>
+              <a:t>5/5/2024</a:t>
             </a:fld>
             <a:endParaRPr lang="en-US"/>
           </a:p>
@@ -2118,7 +2123,7 @@
           <a:p>
             <a:fld id="{E4643566-A07C-4B6A-A37C-17F2AFE269DE}" type="datetimeFigureOut">
               <a:rPr lang="en-US" smtClean="0"/>
-              <a:t>5/2/2024</a:t>
+              <a:t>5/5/2024</a:t>
             </a:fld>
             <a:endParaRPr lang="en-US"/>
           </a:p>
@@ -2289,7 +2294,7 @@
           <a:p>
             <a:fld id="{E4643566-A07C-4B6A-A37C-17F2AFE269DE}" type="datetimeFigureOut">
               <a:rPr lang="en-US" smtClean="0"/>
-              <a:t>5/2/2024</a:t>
+              <a:t>5/5/2024</a:t>
             </a:fld>
             <a:endParaRPr lang="en-US"/>
           </a:p>
@@ -2643,7 +2648,7 @@
           <a:p>
             <a:fld id="{E4643566-A07C-4B6A-A37C-17F2AFE269DE}" type="datetimeFigureOut">
               <a:rPr lang="en-US" smtClean="0"/>
-              <a:t>5/2/2024</a:t>
+              <a:t>5/5/2024</a:t>
             </a:fld>
             <a:endParaRPr lang="en-US"/>
           </a:p>
@@ -3025,7 +3030,7 @@
           <a:p>
             <a:fld id="{E4643566-A07C-4B6A-A37C-17F2AFE269DE}" type="datetimeFigureOut">
               <a:rPr lang="en-US" smtClean="0"/>
-              <a:t>5/2/2024</a:t>
+              <a:t>5/5/2024</a:t>
             </a:fld>
             <a:endParaRPr lang="en-US"/>
           </a:p>
@@ -3312,7 +3317,7 @@
           <a:p>
             <a:fld id="{E4643566-A07C-4B6A-A37C-17F2AFE269DE}" type="datetimeFigureOut">
               <a:rPr lang="en-US" smtClean="0"/>
-              <a:t>5/2/2024</a:t>
+              <a:t>5/5/2024</a:t>
             </a:fld>
             <a:endParaRPr lang="en-US"/>
           </a:p>
@@ -4190,17 +4195,8 @@
               <a:rPr lang="en-US" dirty="0">
                 <a:sym typeface="Wingdings" panose="05000000000000000000" pitchFamily="2" charset="2"/>
               </a:rPr>
-              <a:t>Example 2: Move the content of R0 register into </a:t>
-            </a:r>
-            <a:r>
-              <a:rPr lang="en-US">
-                <a:sym typeface="Wingdings" panose="05000000000000000000" pitchFamily="2" charset="2"/>
-              </a:rPr>
-              <a:t>C variable</a:t>
-            </a:r>
-            <a:endParaRPr lang="en-US" dirty="0">
-              <a:sym typeface="Wingdings" panose="05000000000000000000" pitchFamily="2" charset="2"/>
-            </a:endParaRPr>
+              <a:t>Example 2: Move the content of R0 register into C variable</a:t>
+            </a:r>
           </a:p>
           <a:p>
             <a:endParaRPr lang="en-US" dirty="0"/>
@@ -4217,6 +4213,534 @@
     <p:extLst>
       <p:ext uri="{BB962C8B-B14F-4D97-AF65-F5344CB8AC3E}">
         <p14:creationId xmlns:p14="http://schemas.microsoft.com/office/powerpoint/2010/main" val="1834001287"/>
+      </p:ext>
+    </p:extLst>
+  </p:cSld>
+  <p:clrMapOvr>
+    <a:masterClrMapping/>
+  </p:clrMapOvr>
+</p:sld>
+</file>
+
+<file path=ppt/slides/slide12.xml><?xml version="1.0" encoding="utf-8"?>
+<p:sld xmlns:a="http://schemas.openxmlformats.org/drawingml/2006/main" xmlns:r="http://schemas.openxmlformats.org/officeDocument/2006/relationships" xmlns:p="http://schemas.openxmlformats.org/presentationml/2006/main">
+  <p:cSld>
+    <p:spTree>
+      <p:nvGrpSpPr>
+        <p:cNvPr id="1" name=""/>
+        <p:cNvGrpSpPr/>
+        <p:nvPr/>
+      </p:nvGrpSpPr>
+      <p:grpSpPr>
+        <a:xfrm>
+          <a:off x="0" y="0"/>
+          <a:ext cx="0" cy="0"/>
+          <a:chOff x="0" y="0"/>
+          <a:chExt cx="0" cy="0"/>
+        </a:xfrm>
+      </p:grpSpPr>
+      <p:sp>
+        <p:nvSpPr>
+          <p:cNvPr id="2" name="Title 1">
+            <a:extLst>
+              <a:ext uri="{FF2B5EF4-FFF2-40B4-BE49-F238E27FC236}">
+                <a16:creationId xmlns:a16="http://schemas.microsoft.com/office/drawing/2014/main" id="{B507B7E1-67F0-1F58-602D-42987586D006}"/>
+              </a:ext>
+            </a:extLst>
+          </p:cNvPr>
+          <p:cNvSpPr>
+            <a:spLocks noGrp="1"/>
+          </p:cNvSpPr>
+          <p:nvPr>
+            <p:ph type="title"/>
+          </p:nvPr>
+        </p:nvSpPr>
+        <p:spPr/>
+        <p:txBody>
+          <a:bodyPr/>
+          <a:lstStyle/>
+          <a:p>
+            <a:r>
+              <a:rPr lang="en-US" dirty="0"/>
+              <a:t>10. Stack memory</a:t>
+            </a:r>
+          </a:p>
+        </p:txBody>
+      </p:sp>
+      <p:sp>
+        <p:nvSpPr>
+          <p:cNvPr id="3" name="Content Placeholder 2">
+            <a:extLst>
+              <a:ext uri="{FF2B5EF4-FFF2-40B4-BE49-F238E27FC236}">
+                <a16:creationId xmlns:a16="http://schemas.microsoft.com/office/drawing/2014/main" id="{C16A923D-E4AD-673C-6EED-D51D4D6754E7}"/>
+              </a:ext>
+            </a:extLst>
+          </p:cNvPr>
+          <p:cNvSpPr>
+            <a:spLocks noGrp="1"/>
+          </p:cNvSpPr>
+          <p:nvPr>
+            <p:ph idx="1"/>
+          </p:nvPr>
+        </p:nvSpPr>
+        <p:spPr/>
+        <p:txBody>
+          <a:bodyPr/>
+          <a:lstStyle/>
+          <a:p>
+            <a:endParaRPr lang="en-US" dirty="0"/>
+          </a:p>
+        </p:txBody>
+      </p:sp>
+    </p:spTree>
+    <p:extLst>
+      <p:ext uri="{BB962C8B-B14F-4D97-AF65-F5344CB8AC3E}">
+        <p14:creationId xmlns:p14="http://schemas.microsoft.com/office/powerpoint/2010/main" val="2541066938"/>
+      </p:ext>
+    </p:extLst>
+  </p:cSld>
+  <p:clrMapOvr>
+    <a:masterClrMapping/>
+  </p:clrMapOvr>
+</p:sld>
+</file>
+
+<file path=ppt/slides/slide13.xml><?xml version="1.0" encoding="utf-8"?>
+<p:sld xmlns:a="http://schemas.openxmlformats.org/drawingml/2006/main" xmlns:r="http://schemas.openxmlformats.org/officeDocument/2006/relationships" xmlns:p="http://schemas.openxmlformats.org/presentationml/2006/main">
+  <p:cSld>
+    <p:spTree>
+      <p:nvGrpSpPr>
+        <p:cNvPr id="1" name=""/>
+        <p:cNvGrpSpPr/>
+        <p:nvPr/>
+      </p:nvGrpSpPr>
+      <p:grpSpPr>
+        <a:xfrm>
+          <a:off x="0" y="0"/>
+          <a:ext cx="0" cy="0"/>
+          <a:chOff x="0" y="0"/>
+          <a:chExt cx="0" cy="0"/>
+        </a:xfrm>
+      </p:grpSpPr>
+      <p:sp>
+        <p:nvSpPr>
+          <p:cNvPr id="2" name="Title 1">
+            <a:extLst>
+              <a:ext uri="{FF2B5EF4-FFF2-40B4-BE49-F238E27FC236}">
+                <a16:creationId xmlns:a16="http://schemas.microsoft.com/office/drawing/2014/main" id="{22B510F2-BF44-ABAD-6188-3554EC85FB03}"/>
+              </a:ext>
+            </a:extLst>
+          </p:cNvPr>
+          <p:cNvSpPr>
+            <a:spLocks noGrp="1"/>
+          </p:cNvSpPr>
+          <p:nvPr>
+            <p:ph type="title"/>
+          </p:nvPr>
+        </p:nvSpPr>
+        <p:spPr/>
+        <p:txBody>
+          <a:bodyPr/>
+          <a:lstStyle/>
+          <a:p>
+            <a:r>
+              <a:rPr lang="en-US" dirty="0"/>
+              <a:t>11. Exception model</a:t>
+            </a:r>
+          </a:p>
+        </p:txBody>
+      </p:sp>
+      <p:sp>
+        <p:nvSpPr>
+          <p:cNvPr id="3" name="Content Placeholder 2">
+            <a:extLst>
+              <a:ext uri="{FF2B5EF4-FFF2-40B4-BE49-F238E27FC236}">
+                <a16:creationId xmlns:a16="http://schemas.microsoft.com/office/drawing/2014/main" id="{56C5932B-1281-23C2-3E9F-6B0F447C7761}"/>
+              </a:ext>
+            </a:extLst>
+          </p:cNvPr>
+          <p:cNvSpPr>
+            <a:spLocks noGrp="1"/>
+          </p:cNvSpPr>
+          <p:nvPr>
+            <p:ph idx="1"/>
+          </p:nvPr>
+        </p:nvSpPr>
+        <p:spPr/>
+        <p:txBody>
+          <a:bodyPr/>
+          <a:lstStyle/>
+          <a:p>
+            <a:r>
+              <a:rPr lang="en-US" dirty="0"/>
+              <a:t>Anything disturbs the normal operation of the program by changing the operation mode of the processor</a:t>
+            </a:r>
+          </a:p>
+          <a:p>
+            <a:r>
+              <a:rPr lang="en-US" dirty="0"/>
+              <a:t>Type:</a:t>
+            </a:r>
+          </a:p>
+          <a:p>
+            <a:pPr lvl="1"/>
+            <a:r>
+              <a:rPr lang="en-US" dirty="0"/>
+              <a:t>System exception (Exception): Are generated by the processor itself internally</a:t>
+            </a:r>
+          </a:p>
+          <a:p>
+            <a:pPr lvl="1"/>
+            <a:r>
+              <a:rPr lang="en-US" dirty="0" err="1"/>
+              <a:t>Extenal</a:t>
+            </a:r>
+            <a:r>
+              <a:rPr lang="en-US" dirty="0"/>
+              <a:t> interrupt (Interrupt): Come from the external world to the processor</a:t>
+            </a:r>
+          </a:p>
+          <a:p>
+            <a:endParaRPr lang="en-US" dirty="0"/>
+          </a:p>
+        </p:txBody>
+      </p:sp>
+    </p:spTree>
+    <p:extLst>
+      <p:ext uri="{BB962C8B-B14F-4D97-AF65-F5344CB8AC3E}">
+        <p14:creationId xmlns:p14="http://schemas.microsoft.com/office/powerpoint/2010/main" val="336206849"/>
+      </p:ext>
+    </p:extLst>
+  </p:cSld>
+  <p:clrMapOvr>
+    <a:masterClrMapping/>
+  </p:clrMapOvr>
+</p:sld>
+</file>
+
+<file path=ppt/slides/slide14.xml><?xml version="1.0" encoding="utf-8"?>
+<p:sld xmlns:a="http://schemas.openxmlformats.org/drawingml/2006/main" xmlns:r="http://schemas.openxmlformats.org/officeDocument/2006/relationships" xmlns:p="http://schemas.openxmlformats.org/presentationml/2006/main">
+  <p:cSld>
+    <p:spTree>
+      <p:nvGrpSpPr>
+        <p:cNvPr id="1" name=""/>
+        <p:cNvGrpSpPr/>
+        <p:nvPr/>
+      </p:nvGrpSpPr>
+      <p:grpSpPr>
+        <a:xfrm>
+          <a:off x="0" y="0"/>
+          <a:ext cx="0" cy="0"/>
+          <a:chOff x="0" y="0"/>
+          <a:chExt cx="0" cy="0"/>
+        </a:xfrm>
+      </p:grpSpPr>
+      <p:sp>
+        <p:nvSpPr>
+          <p:cNvPr id="2" name="Title 1">
+            <a:extLst>
+              <a:ext uri="{FF2B5EF4-FFF2-40B4-BE49-F238E27FC236}">
+                <a16:creationId xmlns:a16="http://schemas.microsoft.com/office/drawing/2014/main" id="{22B510F2-BF44-ABAD-6188-3554EC85FB03}"/>
+              </a:ext>
+            </a:extLst>
+          </p:cNvPr>
+          <p:cNvSpPr>
+            <a:spLocks noGrp="1"/>
+          </p:cNvSpPr>
+          <p:nvPr>
+            <p:ph type="title"/>
+          </p:nvPr>
+        </p:nvSpPr>
+        <p:spPr/>
+        <p:txBody>
+          <a:bodyPr/>
+          <a:lstStyle/>
+          <a:p>
+            <a:r>
+              <a:rPr lang="en-US" dirty="0"/>
+              <a:t>11. Exception model - Exception</a:t>
+            </a:r>
+          </a:p>
+        </p:txBody>
+      </p:sp>
+      <p:sp>
+        <p:nvSpPr>
+          <p:cNvPr id="3" name="Content Placeholder 2">
+            <a:extLst>
+              <a:ext uri="{FF2B5EF4-FFF2-40B4-BE49-F238E27FC236}">
+                <a16:creationId xmlns:a16="http://schemas.microsoft.com/office/drawing/2014/main" id="{56C5932B-1281-23C2-3E9F-6B0F447C7761}"/>
+              </a:ext>
+            </a:extLst>
+          </p:cNvPr>
+          <p:cNvSpPr>
+            <a:spLocks noGrp="1"/>
+          </p:cNvSpPr>
+          <p:nvPr>
+            <p:ph idx="1"/>
+          </p:nvPr>
+        </p:nvSpPr>
+        <p:spPr/>
+        <p:txBody>
+          <a:bodyPr/>
+          <a:lstStyle/>
+          <a:p>
+            <a:r>
+              <a:rPr lang="en-US" dirty="0"/>
+              <a:t>There is room for 15 system exceptions</a:t>
+            </a:r>
+          </a:p>
+          <a:p>
+            <a:r>
+              <a:rPr lang="en-US" dirty="0"/>
+              <a:t>Exception number 1 is Reset Exception (or Reset System Exception)</a:t>
+            </a:r>
+          </a:p>
+          <a:p>
+            <a:r>
+              <a:rPr lang="en-US" dirty="0"/>
+              <a:t>In an Arm v8-M PE with the Main Extension, 12 are implemented System Exceptions. 3 are reserved for future implementations</a:t>
+            </a:r>
+          </a:p>
+          <a:p>
+            <a:r>
+              <a:rPr lang="en-US" dirty="0"/>
+              <a:t>Exception number 16 is interrupt 0 (IRQ 0)</a:t>
+            </a:r>
+          </a:p>
+          <a:p>
+            <a:r>
+              <a:rPr lang="en-US" dirty="0"/>
+              <a:t>System control block (SCB) provides system implementation information and system control. This includes configuration, control and reporting of system exceptions.</a:t>
+            </a:r>
+          </a:p>
+          <a:p>
+            <a:endParaRPr lang="en-US" dirty="0"/>
+          </a:p>
+        </p:txBody>
+      </p:sp>
+    </p:spTree>
+    <p:extLst>
+      <p:ext uri="{BB962C8B-B14F-4D97-AF65-F5344CB8AC3E}">
+        <p14:creationId xmlns:p14="http://schemas.microsoft.com/office/powerpoint/2010/main" val="166567114"/>
+      </p:ext>
+    </p:extLst>
+  </p:cSld>
+  <p:clrMapOvr>
+    <a:masterClrMapping/>
+  </p:clrMapOvr>
+</p:sld>
+</file>
+
+<file path=ppt/slides/slide15.xml><?xml version="1.0" encoding="utf-8"?>
+<p:sld xmlns:a="http://schemas.openxmlformats.org/drawingml/2006/main" xmlns:r="http://schemas.openxmlformats.org/officeDocument/2006/relationships" xmlns:p="http://schemas.openxmlformats.org/presentationml/2006/main">
+  <p:cSld>
+    <p:spTree>
+      <p:nvGrpSpPr>
+        <p:cNvPr id="1" name=""/>
+        <p:cNvGrpSpPr/>
+        <p:nvPr/>
+      </p:nvGrpSpPr>
+      <p:grpSpPr>
+        <a:xfrm>
+          <a:off x="0" y="0"/>
+          <a:ext cx="0" cy="0"/>
+          <a:chOff x="0" y="0"/>
+          <a:chExt cx="0" cy="0"/>
+        </a:xfrm>
+      </p:grpSpPr>
+      <p:sp>
+        <p:nvSpPr>
+          <p:cNvPr id="2" name="Title 1">
+            <a:extLst>
+              <a:ext uri="{FF2B5EF4-FFF2-40B4-BE49-F238E27FC236}">
+                <a16:creationId xmlns:a16="http://schemas.microsoft.com/office/drawing/2014/main" id="{110B2E93-3787-4BC3-6D02-B1FD30503550}"/>
+              </a:ext>
+            </a:extLst>
+          </p:cNvPr>
+          <p:cNvSpPr>
+            <a:spLocks noGrp="1"/>
+          </p:cNvSpPr>
+          <p:nvPr>
+            <p:ph type="title"/>
+          </p:nvPr>
+        </p:nvSpPr>
+        <p:spPr/>
+        <p:txBody>
+          <a:bodyPr/>
+          <a:lstStyle/>
+          <a:p>
+            <a:r>
+              <a:rPr lang="en-US" dirty="0"/>
+              <a:t>11. Exception model - NVIC, Interrupt</a:t>
+            </a:r>
+          </a:p>
+        </p:txBody>
+      </p:sp>
+      <p:sp>
+        <p:nvSpPr>
+          <p:cNvPr id="3" name="Content Placeholder 2">
+            <a:extLst>
+              <a:ext uri="{FF2B5EF4-FFF2-40B4-BE49-F238E27FC236}">
+                <a16:creationId xmlns:a16="http://schemas.microsoft.com/office/drawing/2014/main" id="{E8F706CC-3C16-4CC3-3037-2B5329F3034B}"/>
+              </a:ext>
+            </a:extLst>
+          </p:cNvPr>
+          <p:cNvSpPr>
+            <a:spLocks noGrp="1"/>
+          </p:cNvSpPr>
+          <p:nvPr>
+            <p:ph idx="1"/>
+          </p:nvPr>
+        </p:nvSpPr>
+        <p:spPr/>
+        <p:txBody>
+          <a:bodyPr>
+            <a:normAutofit/>
+          </a:bodyPr>
+          <a:lstStyle/>
+          <a:p>
+            <a:r>
+              <a:rPr lang="en-US" dirty="0"/>
+              <a:t>NVIC (Nested Vector interrupt controller)</a:t>
+            </a:r>
+          </a:p>
+          <a:p>
+            <a:r>
+              <a:rPr lang="en-US" dirty="0"/>
+              <a:t>NVIC is one of the peripheral of the Cortex M processor core</a:t>
+            </a:r>
+          </a:p>
+          <a:p>
+            <a:r>
+              <a:rPr lang="en-US" dirty="0"/>
+              <a:t>It is used to configure up to 496 interrupts (Arm v8-M)</a:t>
+            </a:r>
+          </a:p>
+          <a:p>
+            <a:r>
+              <a:rPr lang="en-US" dirty="0"/>
+              <a:t>This is highly vendor specific and it is triggered by various on chip peripheral of the MCU like SPI, GPIO, UART, Timer...</a:t>
+            </a:r>
+          </a:p>
+          <a:p>
+            <a:r>
+              <a:rPr lang="en-US" dirty="0"/>
+              <a:t>Using NVIC registers to enable/disable/pending various interrupts and read the status of the active and pending interrupt</a:t>
+            </a:r>
+          </a:p>
+          <a:p>
+            <a:r>
+              <a:rPr lang="en-US" dirty="0"/>
+              <a:t>You can configure the priority and priority grouping of various interrupts</a:t>
+            </a:r>
+          </a:p>
+          <a:p>
+            <a:r>
+              <a:rPr lang="en-US" dirty="0"/>
+              <a:t>It is called as "Nested" because it supports pre-empting a lower priority interrupt handler when higher priority interrupt arrives</a:t>
+            </a:r>
+          </a:p>
+        </p:txBody>
+      </p:sp>
+    </p:spTree>
+    <p:extLst>
+      <p:ext uri="{BB962C8B-B14F-4D97-AF65-F5344CB8AC3E}">
+        <p14:creationId xmlns:p14="http://schemas.microsoft.com/office/powerpoint/2010/main" val="1677510144"/>
+      </p:ext>
+    </p:extLst>
+  </p:cSld>
+  <p:clrMapOvr>
+    <a:masterClrMapping/>
+  </p:clrMapOvr>
+</p:sld>
+</file>
+
+<file path=ppt/slides/slide16.xml><?xml version="1.0" encoding="utf-8"?>
+<p:sld xmlns:a="http://schemas.openxmlformats.org/drawingml/2006/main" xmlns:r="http://schemas.openxmlformats.org/officeDocument/2006/relationships" xmlns:p="http://schemas.openxmlformats.org/presentationml/2006/main">
+  <p:cSld>
+    <p:spTree>
+      <p:nvGrpSpPr>
+        <p:cNvPr id="1" name=""/>
+        <p:cNvGrpSpPr/>
+        <p:nvPr/>
+      </p:nvGrpSpPr>
+      <p:grpSpPr>
+        <a:xfrm>
+          <a:off x="0" y="0"/>
+          <a:ext cx="0" cy="0"/>
+          <a:chOff x="0" y="0"/>
+          <a:chExt cx="0" cy="0"/>
+        </a:xfrm>
+      </p:grpSpPr>
+      <p:sp>
+        <p:nvSpPr>
+          <p:cNvPr id="2" name="Title 1">
+            <a:extLst>
+              <a:ext uri="{FF2B5EF4-FFF2-40B4-BE49-F238E27FC236}">
+                <a16:creationId xmlns:a16="http://schemas.microsoft.com/office/drawing/2014/main" id="{E77139B8-0839-3E9B-F3FF-E29A869FE1C0}"/>
+              </a:ext>
+            </a:extLst>
+          </p:cNvPr>
+          <p:cNvSpPr>
+            <a:spLocks noGrp="1"/>
+          </p:cNvSpPr>
+          <p:nvPr>
+            <p:ph type="title"/>
+          </p:nvPr>
+        </p:nvSpPr>
+        <p:spPr/>
+        <p:txBody>
+          <a:bodyPr/>
+          <a:lstStyle/>
+          <a:p>
+            <a:r>
+              <a:rPr lang="en-US" dirty="0"/>
+              <a:t>11. Exception model - NVIC, Interrupt (</a:t>
+            </a:r>
+            <a:r>
+              <a:rPr lang="en-US" dirty="0" err="1"/>
+              <a:t>cont</a:t>
+            </a:r>
+            <a:r>
+              <a:rPr lang="en-US" dirty="0"/>
+              <a:t>)</a:t>
+            </a:r>
+          </a:p>
+        </p:txBody>
+      </p:sp>
+      <p:pic>
+        <p:nvPicPr>
+          <p:cNvPr id="5" name="Content Placeholder 4">
+            <a:extLst>
+              <a:ext uri="{FF2B5EF4-FFF2-40B4-BE49-F238E27FC236}">
+                <a16:creationId xmlns:a16="http://schemas.microsoft.com/office/drawing/2014/main" id="{59ED15E1-2985-0524-7F81-A9563C208FB3}"/>
+              </a:ext>
+            </a:extLst>
+          </p:cNvPr>
+          <p:cNvPicPr>
+            <a:picLocks noGrp="1" noChangeAspect="1"/>
+          </p:cNvPicPr>
+          <p:nvPr>
+            <p:ph idx="1"/>
+          </p:nvPr>
+        </p:nvPicPr>
+        <p:blipFill>
+          <a:blip r:embed="rId2"/>
+          <a:stretch>
+            <a:fillRect/>
+          </a:stretch>
+        </p:blipFill>
+        <p:spPr>
+          <a:xfrm>
+            <a:off x="2924773" y="2007130"/>
+            <a:ext cx="6639848" cy="4022725"/>
+          </a:xfrm>
+        </p:spPr>
+      </p:pic>
+    </p:spTree>
+    <p:extLst>
+      <p:ext uri="{BB962C8B-B14F-4D97-AF65-F5344CB8AC3E}">
+        <p14:creationId xmlns:p14="http://schemas.microsoft.com/office/powerpoint/2010/main" val="1901979124"/>
       </p:ext>
     </p:extLst>
   </p:cSld>

--- a/Documents/Cortex M33.pptx
+++ b/Documents/Cortex M33.pptx
@@ -21,6 +21,7 @@
     <p:sldId id="279" r:id="rId15"/>
     <p:sldId id="280" r:id="rId16"/>
     <p:sldId id="278" r:id="rId17"/>
+    <p:sldId id="281" r:id="rId18"/>
   </p:sldIdLst>
   <p:sldSz cx="12192000" cy="6858000"/>
   <p:notesSz cx="6858000" cy="9144000"/>
@@ -353,7 +354,7 @@
           <a:p>
             <a:fld id="{E4643566-A07C-4B6A-A37C-17F2AFE269DE}" type="datetimeFigureOut">
               <a:rPr lang="en-US" smtClean="0"/>
-              <a:t>5/5/2024</a:t>
+              <a:t>5/6/2024</a:t>
             </a:fld>
             <a:endParaRPr lang="en-US"/>
           </a:p>
@@ -561,7 +562,7 @@
           <a:p>
             <a:fld id="{E4643566-A07C-4B6A-A37C-17F2AFE269DE}" type="datetimeFigureOut">
               <a:rPr lang="en-US" smtClean="0"/>
-              <a:t>5/5/2024</a:t>
+              <a:t>5/6/2024</a:t>
             </a:fld>
             <a:endParaRPr lang="en-US"/>
           </a:p>
@@ -817,7 +818,7 @@
           <a:p>
             <a:fld id="{E4643566-A07C-4B6A-A37C-17F2AFE269DE}" type="datetimeFigureOut">
               <a:rPr lang="en-US" smtClean="0"/>
-              <a:t>5/5/2024</a:t>
+              <a:t>5/6/2024</a:t>
             </a:fld>
             <a:endParaRPr lang="en-US"/>
           </a:p>
@@ -1008,7 +1009,7 @@
           <a:p>
             <a:fld id="{E4643566-A07C-4B6A-A37C-17F2AFE269DE}" type="datetimeFigureOut">
               <a:rPr lang="en-US" smtClean="0"/>
-              <a:t>5/5/2024</a:t>
+              <a:t>5/6/2024</a:t>
             </a:fld>
             <a:endParaRPr lang="en-US"/>
           </a:p>
@@ -1351,7 +1352,7 @@
           <a:p>
             <a:fld id="{E4643566-A07C-4B6A-A37C-17F2AFE269DE}" type="datetimeFigureOut">
               <a:rPr lang="en-US" smtClean="0"/>
-              <a:t>5/5/2024</a:t>
+              <a:t>5/6/2024</a:t>
             </a:fld>
             <a:endParaRPr lang="en-US"/>
           </a:p>
@@ -1626,7 +1627,7 @@
           <a:p>
             <a:fld id="{E4643566-A07C-4B6A-A37C-17F2AFE269DE}" type="datetimeFigureOut">
               <a:rPr lang="en-US" smtClean="0"/>
-              <a:t>5/5/2024</a:t>
+              <a:t>5/6/2024</a:t>
             </a:fld>
             <a:endParaRPr lang="en-US"/>
           </a:p>
@@ -2005,7 +2006,7 @@
           <a:p>
             <a:fld id="{E4643566-A07C-4B6A-A37C-17F2AFE269DE}" type="datetimeFigureOut">
               <a:rPr lang="en-US" smtClean="0"/>
-              <a:t>5/5/2024</a:t>
+              <a:t>5/6/2024</a:t>
             </a:fld>
             <a:endParaRPr lang="en-US"/>
           </a:p>
@@ -2123,7 +2124,7 @@
           <a:p>
             <a:fld id="{E4643566-A07C-4B6A-A37C-17F2AFE269DE}" type="datetimeFigureOut">
               <a:rPr lang="en-US" smtClean="0"/>
-              <a:t>5/5/2024</a:t>
+              <a:t>5/6/2024</a:t>
             </a:fld>
             <a:endParaRPr lang="en-US"/>
           </a:p>
@@ -2294,7 +2295,7 @@
           <a:p>
             <a:fld id="{E4643566-A07C-4B6A-A37C-17F2AFE269DE}" type="datetimeFigureOut">
               <a:rPr lang="en-US" smtClean="0"/>
-              <a:t>5/5/2024</a:t>
+              <a:t>5/6/2024</a:t>
             </a:fld>
             <a:endParaRPr lang="en-US"/>
           </a:p>
@@ -2648,7 +2649,7 @@
           <a:p>
             <a:fld id="{E4643566-A07C-4B6A-A37C-17F2AFE269DE}" type="datetimeFigureOut">
               <a:rPr lang="en-US" smtClean="0"/>
-              <a:t>5/5/2024</a:t>
+              <a:t>5/6/2024</a:t>
             </a:fld>
             <a:endParaRPr lang="en-US"/>
           </a:p>
@@ -3030,7 +3031,7 @@
           <a:p>
             <a:fld id="{E4643566-A07C-4B6A-A37C-17F2AFE269DE}" type="datetimeFigureOut">
               <a:rPr lang="en-US" smtClean="0"/>
-              <a:t>5/5/2024</a:t>
+              <a:t>5/6/2024</a:t>
             </a:fld>
             <a:endParaRPr lang="en-US"/>
           </a:p>
@@ -3317,7 +3318,7 @@
           <a:p>
             <a:fld id="{E4643566-A07C-4B6A-A37C-17F2AFE269DE}" type="datetimeFigureOut">
               <a:rPr lang="en-US" smtClean="0"/>
-              <a:t>5/5/2024</a:t>
+              <a:t>5/6/2024</a:t>
             </a:fld>
             <a:endParaRPr lang="en-US"/>
           </a:p>
@@ -4741,6 +4742,120 @@
     <p:extLst>
       <p:ext uri="{BB962C8B-B14F-4D97-AF65-F5344CB8AC3E}">
         <p14:creationId xmlns:p14="http://schemas.microsoft.com/office/powerpoint/2010/main" val="1901979124"/>
+      </p:ext>
+    </p:extLst>
+  </p:cSld>
+  <p:clrMapOvr>
+    <a:masterClrMapping/>
+  </p:clrMapOvr>
+</p:sld>
+</file>
+
+<file path=ppt/slides/slide17.xml><?xml version="1.0" encoding="utf-8"?>
+<p:sld xmlns:a="http://schemas.openxmlformats.org/drawingml/2006/main" xmlns:r="http://schemas.openxmlformats.org/officeDocument/2006/relationships" xmlns:p="http://schemas.openxmlformats.org/presentationml/2006/main">
+  <p:cSld>
+    <p:spTree>
+      <p:nvGrpSpPr>
+        <p:cNvPr id="1" name=""/>
+        <p:cNvGrpSpPr/>
+        <p:nvPr/>
+      </p:nvGrpSpPr>
+      <p:grpSpPr>
+        <a:xfrm>
+          <a:off x="0" y="0"/>
+          <a:ext cx="0" cy="0"/>
+          <a:chOff x="0" y="0"/>
+          <a:chExt cx="0" cy="0"/>
+        </a:xfrm>
+      </p:grpSpPr>
+      <p:sp>
+        <p:nvSpPr>
+          <p:cNvPr id="2" name="Title 1">
+            <a:extLst>
+              <a:ext uri="{FF2B5EF4-FFF2-40B4-BE49-F238E27FC236}">
+                <a16:creationId xmlns:a16="http://schemas.microsoft.com/office/drawing/2014/main" id="{E77139B8-0839-3E9B-F3FF-E29A869FE1C0}"/>
+              </a:ext>
+            </a:extLst>
+          </p:cNvPr>
+          <p:cNvSpPr>
+            <a:spLocks noGrp="1"/>
+          </p:cNvSpPr>
+          <p:nvPr>
+            <p:ph type="title"/>
+          </p:nvPr>
+        </p:nvSpPr>
+        <p:spPr/>
+        <p:txBody>
+          <a:bodyPr/>
+          <a:lstStyle/>
+          <a:p>
+            <a:r>
+              <a:rPr lang="en-US" dirty="0"/>
+              <a:t>11. Exception model – Priority (Pre-Empt, Sub)</a:t>
+            </a:r>
+          </a:p>
+        </p:txBody>
+      </p:sp>
+      <p:sp>
+        <p:nvSpPr>
+          <p:cNvPr id="4" name="Content Placeholder 3">
+            <a:extLst>
+              <a:ext uri="{FF2B5EF4-FFF2-40B4-BE49-F238E27FC236}">
+                <a16:creationId xmlns:a16="http://schemas.microsoft.com/office/drawing/2014/main" id="{1DEF5A92-FC34-9B8A-0219-AFC792F8AB4B}"/>
+              </a:ext>
+            </a:extLst>
+          </p:cNvPr>
+          <p:cNvSpPr>
+            <a:spLocks noGrp="1"/>
+          </p:cNvSpPr>
+          <p:nvPr>
+            <p:ph idx="1"/>
+          </p:nvPr>
+        </p:nvSpPr>
+        <p:spPr/>
+        <p:txBody>
+          <a:bodyPr/>
+          <a:lstStyle/>
+          <a:p>
+            <a:r>
+              <a:rPr lang="en-US" dirty="0"/>
+              <a:t>Priority means urgency.</a:t>
+            </a:r>
+          </a:p>
+          <a:p>
+            <a:r>
+              <a:rPr lang="en-US" dirty="0"/>
+              <a:t>The priority value is a measure of urgency.</a:t>
+            </a:r>
+          </a:p>
+          <a:p>
+            <a:r>
+              <a:rPr lang="en-US" dirty="0"/>
+              <a:t>Priority levels implement by the MCU vendors.</a:t>
+            </a:r>
+          </a:p>
+          <a:p>
+            <a:r>
+              <a:rPr lang="en-US" dirty="0"/>
+              <a:t>Pre-empt priority: When the processor is running interrupt handler, and another interrupt appears, then the pre-empt priority value will be compared, and interrupt with higher pre-empt priority (less in value) will be allowed to run.</a:t>
+            </a:r>
+          </a:p>
+          <a:p>
+            <a:r>
+              <a:rPr lang="en-US" dirty="0"/>
+              <a:t>Sub priority: This value is used only 2 interrupts with the same pre-empt priority values occur at the same time. In this case, the expectation with higher sub-priority (less in value) will be </a:t>
+            </a:r>
+            <a:r>
+              <a:rPr lang="en-US"/>
+              <a:t>handled first.</a:t>
+            </a:r>
+          </a:p>
+        </p:txBody>
+      </p:sp>
+    </p:spTree>
+    <p:extLst>
+      <p:ext uri="{BB962C8B-B14F-4D97-AF65-F5344CB8AC3E}">
+        <p14:creationId xmlns:p14="http://schemas.microsoft.com/office/powerpoint/2010/main" val="1440648195"/>
       </p:ext>
     </p:extLst>
   </p:cSld>
